--- a/CSOF5200 Proyecto 2/0727PresentacionIngenium.pptx
+++ b/CSOF5200 Proyecto 2/0727PresentacionIngenium.pptx
@@ -1776,6 +1776,132 @@
         </a:p>
       </dgm:t>
     </dgm:pt>
+    <dgm:pt modelId="{97890D14-DF02-4ECF-8A5D-58EEC88601AF}">
+      <dgm:prSet phldrT="[Texto]"/>
+      <dgm:spPr/>
+      <dgm:t>
+        <a:bodyPr/>
+        <a:lstStyle/>
+        <a:p>
+          <a:r>
+            <a:rPr lang="es-ES" b="1" noProof="0" dirty="0" smtClean="0"/>
+            <a:t>Facturación</a:t>
+          </a:r>
+          <a:endParaRPr lang="es-ES" b="1" noProof="0" dirty="0"/>
+        </a:p>
+      </dgm:t>
+    </dgm:pt>
+    <dgm:pt modelId="{B498BC1C-AC86-47CF-BCF7-F61DA3784898}" type="parTrans" cxnId="{F198BC55-4294-40B6-8FD2-AC180CAC0475}">
+      <dgm:prSet/>
+      <dgm:spPr/>
+      <dgm:t>
+        <a:bodyPr/>
+        <a:lstStyle/>
+        <a:p>
+          <a:endParaRPr lang="es-CO"/>
+        </a:p>
+      </dgm:t>
+    </dgm:pt>
+    <dgm:pt modelId="{8BC82338-2CC6-418B-B548-5581BB3865BE}" type="sibTrans" cxnId="{F198BC55-4294-40B6-8FD2-AC180CAC0475}">
+      <dgm:prSet/>
+      <dgm:spPr/>
+      <dgm:t>
+        <a:bodyPr/>
+        <a:lstStyle/>
+        <a:p>
+          <a:endParaRPr lang="es-CO"/>
+        </a:p>
+      </dgm:t>
+    </dgm:pt>
+    <dgm:pt modelId="{81F7D300-53E0-4AE2-9F9E-1F42E39373D2}">
+      <dgm:prSet phldrT="[Texto]"/>
+      <dgm:spPr/>
+      <dgm:t>
+        <a:bodyPr/>
+        <a:lstStyle/>
+        <a:p>
+          <a:r>
+            <a:rPr lang="es-ES" b="1" noProof="0" dirty="0" smtClean="0"/>
+            <a:t>PQRS</a:t>
+          </a:r>
+          <a:endParaRPr lang="es-ES" b="1" noProof="0" dirty="0"/>
+        </a:p>
+      </dgm:t>
+    </dgm:pt>
+    <dgm:pt modelId="{8C3D11AF-046E-438B-A5DA-8FA0AECFD5E8}" type="parTrans" cxnId="{FD33CEB4-ECC0-451F-9943-FA14B33FEAC6}">
+      <dgm:prSet/>
+      <dgm:spPr/>
+      <dgm:t>
+        <a:bodyPr/>
+        <a:lstStyle/>
+        <a:p>
+          <a:endParaRPr lang="es-CO"/>
+        </a:p>
+      </dgm:t>
+    </dgm:pt>
+    <dgm:pt modelId="{EFD9E535-6BC1-4F91-A1F5-44349B3115DC}" type="sibTrans" cxnId="{FD33CEB4-ECC0-451F-9943-FA14B33FEAC6}">
+      <dgm:prSet/>
+      <dgm:spPr/>
+      <dgm:t>
+        <a:bodyPr/>
+        <a:lstStyle/>
+        <a:p>
+          <a:endParaRPr lang="es-CO"/>
+        </a:p>
+      </dgm:t>
+    </dgm:pt>
+    <dgm:pt modelId="{0A748ED9-4890-413F-8961-F1D7D4ECF5EE}">
+      <dgm:prSet phldrT="[Texto]"/>
+      <dgm:spPr/>
+    </dgm:pt>
+    <dgm:pt modelId="{AAAFFE37-4994-42AE-B8E1-8DA7DF892481}" type="parTrans" cxnId="{DD06414B-2EAB-41B6-BCF3-C5140E02527C}">
+      <dgm:prSet/>
+      <dgm:spPr/>
+      <dgm:t>
+        <a:bodyPr/>
+        <a:lstStyle/>
+        <a:p>
+          <a:endParaRPr lang="es-CO"/>
+        </a:p>
+      </dgm:t>
+    </dgm:pt>
+    <dgm:pt modelId="{1CF1286D-69E7-42F7-9926-503AF551BF3F}" type="sibTrans" cxnId="{DD06414B-2EAB-41B6-BCF3-C5140E02527C}">
+      <dgm:prSet/>
+      <dgm:spPr/>
+      <dgm:t>
+        <a:bodyPr/>
+        <a:lstStyle/>
+        <a:p>
+          <a:endParaRPr lang="es-CO"/>
+        </a:p>
+      </dgm:t>
+    </dgm:pt>
+    <dgm:pt modelId="{2E53F61E-31A2-479B-A1C0-444D18C7ACC4}">
+      <dgm:prSet phldrT="[Texto]"/>
+      <dgm:spPr/>
+    </dgm:pt>
+    <dgm:pt modelId="{892FE871-055A-4D83-8647-49C8E2D3B671}" type="parTrans" cxnId="{2B2D7AEC-267B-4CE7-AE3C-DA5EC9A49AA7}">
+      <dgm:prSet/>
+      <dgm:spPr/>
+      <dgm:t>
+        <a:bodyPr/>
+        <a:lstStyle/>
+        <a:p>
+          <a:endParaRPr lang="es-CO"/>
+        </a:p>
+      </dgm:t>
+    </dgm:pt>
+    <dgm:pt modelId="{4E7344E8-A6B1-428F-A465-2E3A58F09666}" type="sibTrans" cxnId="{2B2D7AEC-267B-4CE7-AE3C-DA5EC9A49AA7}">
+      <dgm:prSet/>
+      <dgm:spPr/>
+      <dgm:t>
+        <a:bodyPr/>
+        <a:lstStyle/>
+        <a:p>
+          <a:endParaRPr lang="es-CO"/>
+        </a:p>
+      </dgm:t>
+    </dgm:pt>
     <dgm:pt modelId="{F84781A0-2FF9-4F53-86D8-5F553670E814}" type="pres">
       <dgm:prSet presAssocID="{04476399-DAC7-4AB7-9259-3EE68B367E57}" presName="arrowDiagram" presStyleCnt="0">
         <dgm:presLayoutVars>
@@ -1788,18 +1914,40 @@
     </dgm:pt>
     <dgm:pt modelId="{5806A708-CD27-48DC-97F3-CE97B1187EE6}" type="pres">
       <dgm:prSet presAssocID="{04476399-DAC7-4AB7-9259-3EE68B367E57}" presName="arrow" presStyleLbl="bgShp" presStyleIdx="0" presStyleCnt="1" custLinFactNeighborX="-2789" custLinFactNeighborY="-14479"/>
+      <dgm:spPr>
+        <a:solidFill>
+          <a:schemeClr val="accent1">
+            <a:lumMod val="20000"/>
+            <a:lumOff val="80000"/>
+          </a:schemeClr>
+        </a:solidFill>
+      </dgm:spPr>
+    </dgm:pt>
+    <dgm:pt modelId="{1678C7E9-A915-4F25-AF03-3F1527BBE12D}" type="pres">
+      <dgm:prSet presAssocID="{04476399-DAC7-4AB7-9259-3EE68B367E57}" presName="arrowDiagram5" presStyleCnt="0"/>
       <dgm:spPr/>
     </dgm:pt>
-    <dgm:pt modelId="{E7C9D1B7-0589-4825-A7E6-EC566DC450BB}" type="pres">
-      <dgm:prSet presAssocID="{04476399-DAC7-4AB7-9259-3EE68B367E57}" presName="arrowDiagram3" presStyleCnt="0"/>
+    <dgm:pt modelId="{E3CC5945-221B-4338-9451-43D5310B86D5}" type="pres">
+      <dgm:prSet presAssocID="{8CD25525-8A3F-4018-8D51-F06DAE1857F9}" presName="bullet5a" presStyleLbl="node1" presStyleIdx="0" presStyleCnt="5" custLinFactNeighborX="-59349" custLinFactNeighborY="43390">
+        <dgm:style>
+          <a:lnRef idx="1">
+            <a:schemeClr val="accent3"/>
+          </a:lnRef>
+          <a:fillRef idx="3">
+            <a:schemeClr val="accent3"/>
+          </a:fillRef>
+          <a:effectRef idx="2">
+            <a:schemeClr val="accent3"/>
+          </a:effectRef>
+          <a:fontRef idx="minor">
+            <a:schemeClr val="lt1"/>
+          </a:fontRef>
+        </dgm:style>
+      </dgm:prSet>
       <dgm:spPr/>
     </dgm:pt>
-    <dgm:pt modelId="{6731052F-F84C-4876-A875-C5CDBACBFF8E}" type="pres">
-      <dgm:prSet presAssocID="{8CD25525-8A3F-4018-8D51-F06DAE1857F9}" presName="bullet3a" presStyleLbl="node1" presStyleIdx="0" presStyleCnt="3"/>
-      <dgm:spPr/>
-    </dgm:pt>
-    <dgm:pt modelId="{3C25AB73-4E14-442F-9C0B-E60288BD81CE}" type="pres">
-      <dgm:prSet presAssocID="{8CD25525-8A3F-4018-8D51-F06DAE1857F9}" presName="textBox3a" presStyleLbl="revTx" presStyleIdx="0" presStyleCnt="3">
+    <dgm:pt modelId="{B5CCFE30-FF39-4624-BA84-FEBEE9AE5943}" type="pres">
+      <dgm:prSet presAssocID="{8CD25525-8A3F-4018-8D51-F06DAE1857F9}" presName="textBox5a" presStyleLbl="revTx" presStyleIdx="0" presStyleCnt="5" custScaleX="146055" custLinFactNeighborX="25007">
         <dgm:presLayoutVars>
           <dgm:bulletEnabled val="1"/>
         </dgm:presLayoutVars>
@@ -1813,12 +1961,27 @@
         </a:p>
       </dgm:t>
     </dgm:pt>
-    <dgm:pt modelId="{7A49D97B-53F1-419D-A704-047956E0D6DE}" type="pres">
-      <dgm:prSet presAssocID="{913EBCAA-34DD-4E65-89F8-F00274A4DB2A}" presName="bullet3b" presStyleLbl="node1" presStyleIdx="1" presStyleCnt="3"/>
+    <dgm:pt modelId="{EC5353D4-8BDE-48E8-BD66-2AD480DD482D}" type="pres">
+      <dgm:prSet presAssocID="{913EBCAA-34DD-4E65-89F8-F00274A4DB2A}" presName="bullet5b" presStyleLbl="node1" presStyleIdx="1" presStyleCnt="5" custLinFactX="-10380" custLinFactNeighborX="-100000" custLinFactNeighborY="46834">
+        <dgm:style>
+          <a:lnRef idx="1">
+            <a:schemeClr val="accent3"/>
+          </a:lnRef>
+          <a:fillRef idx="3">
+            <a:schemeClr val="accent3"/>
+          </a:fillRef>
+          <a:effectRef idx="2">
+            <a:schemeClr val="accent3"/>
+          </a:effectRef>
+          <a:fontRef idx="minor">
+            <a:schemeClr val="lt1"/>
+          </a:fontRef>
+        </dgm:style>
+      </dgm:prSet>
       <dgm:spPr/>
     </dgm:pt>
-    <dgm:pt modelId="{77986429-446B-4662-9001-D5E6AEE91DA6}" type="pres">
-      <dgm:prSet presAssocID="{913EBCAA-34DD-4E65-89F8-F00274A4DB2A}" presName="textBox3b" presStyleLbl="revTx" presStyleIdx="1" presStyleCnt="3" custScaleY="33082" custLinFactNeighborX="6009" custLinFactNeighborY="-55177">
+    <dgm:pt modelId="{AAA8C9B1-5769-4E3A-A55F-CCFCABF2AAE6}" type="pres">
+      <dgm:prSet presAssocID="{913EBCAA-34DD-4E65-89F8-F00274A4DB2A}" presName="textBox5b" presStyleLbl="revTx" presStyleIdx="1" presStyleCnt="5" custScaleY="60396" custLinFactNeighborX="-7523" custLinFactNeighborY="-14478">
         <dgm:presLayoutVars>
           <dgm:bulletEnabled val="1"/>
         </dgm:presLayoutVars>
@@ -1832,12 +1995,95 @@
         </a:p>
       </dgm:t>
     </dgm:pt>
-    <dgm:pt modelId="{ECFC22F7-C7B9-4FE2-B309-A9F9EC3B4616}" type="pres">
-      <dgm:prSet presAssocID="{6845C84F-B105-403E-8C62-0603F81CB103}" presName="bullet3c" presStyleLbl="node1" presStyleIdx="2" presStyleCnt="3"/>
+    <dgm:pt modelId="{49760AD1-0A42-4F00-8223-8F88CF2920A0}" type="pres">
+      <dgm:prSet presAssocID="{6845C84F-B105-403E-8C62-0603F81CB103}" presName="bullet5c" presStyleLbl="node1" presStyleIdx="2" presStyleCnt="5" custLinFactX="-7628" custLinFactNeighborX="-100000" custLinFactNeighborY="39557">
+        <dgm:style>
+          <a:lnRef idx="1">
+            <a:schemeClr val="accent3"/>
+          </a:lnRef>
+          <a:fillRef idx="3">
+            <a:schemeClr val="accent3"/>
+          </a:fillRef>
+          <a:effectRef idx="2">
+            <a:schemeClr val="accent3"/>
+          </a:effectRef>
+          <a:fontRef idx="minor">
+            <a:schemeClr val="lt1"/>
+          </a:fontRef>
+        </dgm:style>
+      </dgm:prSet>
       <dgm:spPr/>
     </dgm:pt>
-    <dgm:pt modelId="{3385743A-9241-4960-9E8C-4FA04906EF3F}" type="pres">
-      <dgm:prSet presAssocID="{6845C84F-B105-403E-8C62-0603F81CB103}" presName="textBox3c" presStyleLbl="revTx" presStyleIdx="2" presStyleCnt="3" custScaleX="126999" custScaleY="27511" custLinFactNeighborX="13879" custLinFactNeighborY="-52351">
+    <dgm:pt modelId="{790158A8-EF4D-405F-96F7-AC2C0D43F282}" type="pres">
+      <dgm:prSet presAssocID="{6845C84F-B105-403E-8C62-0603F81CB103}" presName="textBox5c" presStyleLbl="revTx" presStyleIdx="2" presStyleCnt="5" custScaleY="32583" custLinFactNeighborX="-14332" custLinFactNeighborY="-28289">
+        <dgm:presLayoutVars>
+          <dgm:bulletEnabled val="1"/>
+        </dgm:presLayoutVars>
+      </dgm:prSet>
+      <dgm:spPr/>
+      <dgm:t>
+        <a:bodyPr/>
+        <a:lstStyle/>
+        <a:p>
+          <a:endParaRPr lang="es-CO"/>
+        </a:p>
+      </dgm:t>
+    </dgm:pt>
+    <dgm:pt modelId="{1E7AD0DE-A743-451D-862E-676629FC20D9}" type="pres">
+      <dgm:prSet presAssocID="{97890D14-DF02-4ECF-8A5D-58EEC88601AF}" presName="bullet5d" presStyleLbl="node1" presStyleIdx="3" presStyleCnt="5" custLinFactX="-11290" custLinFactNeighborX="-100000" custLinFactNeighborY="30897">
+        <dgm:style>
+          <a:lnRef idx="1">
+            <a:schemeClr val="accent2"/>
+          </a:lnRef>
+          <a:fillRef idx="3">
+            <a:schemeClr val="accent2"/>
+          </a:fillRef>
+          <a:effectRef idx="2">
+            <a:schemeClr val="accent2"/>
+          </a:effectRef>
+          <a:fontRef idx="minor">
+            <a:schemeClr val="lt1"/>
+          </a:fontRef>
+        </dgm:style>
+      </dgm:prSet>
+      <dgm:spPr/>
+    </dgm:pt>
+    <dgm:pt modelId="{56982D7E-6797-4C8C-ABD0-2F1B6C178454}" type="pres">
+      <dgm:prSet presAssocID="{97890D14-DF02-4ECF-8A5D-58EEC88601AF}" presName="textBox5d" presStyleLbl="revTx" presStyleIdx="3" presStyleCnt="5" custScaleY="18414" custLinFactNeighborX="-34917" custLinFactNeighborY="-32822">
+        <dgm:presLayoutVars>
+          <dgm:bulletEnabled val="1"/>
+        </dgm:presLayoutVars>
+      </dgm:prSet>
+      <dgm:spPr/>
+      <dgm:t>
+        <a:bodyPr/>
+        <a:lstStyle/>
+        <a:p>
+          <a:endParaRPr lang="es-CO"/>
+        </a:p>
+      </dgm:t>
+    </dgm:pt>
+    <dgm:pt modelId="{480F231A-510A-41F3-B267-7994AFB42A6B}" type="pres">
+      <dgm:prSet presAssocID="{81F7D300-53E0-4AE2-9F9E-1F42E39373D2}" presName="bullet5e" presStyleLbl="node1" presStyleIdx="4" presStyleCnt="5" custLinFactX="-642" custLinFactNeighborX="-100000" custLinFactNeighborY="8428">
+        <dgm:style>
+          <a:lnRef idx="1">
+            <a:schemeClr val="accent2"/>
+          </a:lnRef>
+          <a:fillRef idx="3">
+            <a:schemeClr val="accent2"/>
+          </a:fillRef>
+          <a:effectRef idx="2">
+            <a:schemeClr val="accent2"/>
+          </a:effectRef>
+          <a:fontRef idx="minor">
+            <a:schemeClr val="lt1"/>
+          </a:fontRef>
+        </dgm:style>
+      </dgm:prSet>
+      <dgm:spPr/>
+    </dgm:pt>
+    <dgm:pt modelId="{BA335C35-DD64-40DF-819E-C46FE4E35670}" type="pres">
+      <dgm:prSet presAssocID="{81F7D300-53E0-4AE2-9F9E-1F42E39373D2}" presName="textBox5e" presStyleLbl="revTx" presStyleIdx="4" presStyleCnt="5" custScaleY="14354" custLinFactNeighborX="-36880" custLinFactNeighborY="-34027">
         <dgm:presLayoutVars>
           <dgm:bulletEnabled val="1"/>
         </dgm:presLayoutVars>
@@ -1855,19 +2101,29 @@
   <dgm:cxnLst>
     <dgm:cxn modelId="{59933FA8-37D0-4572-91C7-F85303142220}" srcId="{04476399-DAC7-4AB7-9259-3EE68B367E57}" destId="{913EBCAA-34DD-4E65-89F8-F00274A4DB2A}" srcOrd="1" destOrd="0" parTransId="{23EA67A6-3E43-4EB1-8C53-D714F5F37506}" sibTransId="{FEB1AC8D-64B3-4BFA-97C6-1154B1E6D3AE}"/>
     <dgm:cxn modelId="{75920854-C8C1-4E93-BFD1-42A7FEEE17A0}" srcId="{04476399-DAC7-4AB7-9259-3EE68B367E57}" destId="{6845C84F-B105-403E-8C62-0603F81CB103}" srcOrd="2" destOrd="0" parTransId="{04096B4E-C070-41A7-AA30-F58321F5792A}" sibTransId="{D0A9C52A-008E-4D62-B81E-D2054A6948B3}"/>
-    <dgm:cxn modelId="{F80EF0D7-9E41-4705-A923-A4ABAD57580F}" type="presOf" srcId="{8CD25525-8A3F-4018-8D51-F06DAE1857F9}" destId="{3C25AB73-4E14-442F-9C0B-E60288BD81CE}" srcOrd="0" destOrd="0" presId="urn:microsoft.com/office/officeart/2005/8/layout/arrow2"/>
+    <dgm:cxn modelId="{7A718582-67F9-4A60-990F-0895A5C00ED6}" type="presOf" srcId="{6845C84F-B105-403E-8C62-0603F81CB103}" destId="{790158A8-EF4D-405F-96F7-AC2C0D43F282}" srcOrd="0" destOrd="0" presId="urn:microsoft.com/office/officeart/2005/8/layout/arrow2"/>
     <dgm:cxn modelId="{40583769-EBE5-4309-8D58-1BABA76A05EA}" type="presOf" srcId="{04476399-DAC7-4AB7-9259-3EE68B367E57}" destId="{F84781A0-2FF9-4F53-86D8-5F553670E814}" srcOrd="0" destOrd="0" presId="urn:microsoft.com/office/officeart/2005/8/layout/arrow2"/>
-    <dgm:cxn modelId="{9F3D23F6-102C-44B4-B2A5-15323A24B531}" type="presOf" srcId="{6845C84F-B105-403E-8C62-0603F81CB103}" destId="{3385743A-9241-4960-9E8C-4FA04906EF3F}" srcOrd="0" destOrd="0" presId="urn:microsoft.com/office/officeart/2005/8/layout/arrow2"/>
+    <dgm:cxn modelId="{FD33CEB4-ECC0-451F-9943-FA14B33FEAC6}" srcId="{04476399-DAC7-4AB7-9259-3EE68B367E57}" destId="{81F7D300-53E0-4AE2-9F9E-1F42E39373D2}" srcOrd="4" destOrd="0" parTransId="{8C3D11AF-046E-438B-A5DA-8FA0AECFD5E8}" sibTransId="{EFD9E535-6BC1-4F91-A1F5-44349B3115DC}"/>
+    <dgm:cxn modelId="{1C146F35-073B-4D7C-B038-4674A55547C3}" type="presOf" srcId="{97890D14-DF02-4ECF-8A5D-58EEC88601AF}" destId="{56982D7E-6797-4C8C-ABD0-2F1B6C178454}" srcOrd="0" destOrd="0" presId="urn:microsoft.com/office/officeart/2005/8/layout/arrow2"/>
+    <dgm:cxn modelId="{BA497611-3925-4A05-B564-DA128456B8BC}" type="presOf" srcId="{81F7D300-53E0-4AE2-9F9E-1F42E39373D2}" destId="{BA335C35-DD64-40DF-819E-C46FE4E35670}" srcOrd="0" destOrd="0" presId="urn:microsoft.com/office/officeart/2005/8/layout/arrow2"/>
+    <dgm:cxn modelId="{9EDE95FF-DD33-4105-82D0-4C4B795AF905}" type="presOf" srcId="{913EBCAA-34DD-4E65-89F8-F00274A4DB2A}" destId="{AAA8C9B1-5769-4E3A-A55F-CCFCABF2AAE6}" srcOrd="0" destOrd="0" presId="urn:microsoft.com/office/officeart/2005/8/layout/arrow2"/>
+    <dgm:cxn modelId="{BC505FB4-C5C7-4724-B842-6620CF6554FD}" type="presOf" srcId="{8CD25525-8A3F-4018-8D51-F06DAE1857F9}" destId="{B5CCFE30-FF39-4624-BA84-FEBEE9AE5943}" srcOrd="0" destOrd="0" presId="urn:microsoft.com/office/officeart/2005/8/layout/arrow2"/>
+    <dgm:cxn modelId="{2B2D7AEC-267B-4CE7-AE3C-DA5EC9A49AA7}" srcId="{04476399-DAC7-4AB7-9259-3EE68B367E57}" destId="{2E53F61E-31A2-479B-A1C0-444D18C7ACC4}" srcOrd="5" destOrd="0" parTransId="{892FE871-055A-4D83-8647-49C8E2D3B671}" sibTransId="{4E7344E8-A6B1-428F-A465-2E3A58F09666}"/>
+    <dgm:cxn modelId="{F198BC55-4294-40B6-8FD2-AC180CAC0475}" srcId="{04476399-DAC7-4AB7-9259-3EE68B367E57}" destId="{97890D14-DF02-4ECF-8A5D-58EEC88601AF}" srcOrd="3" destOrd="0" parTransId="{B498BC1C-AC86-47CF-BCF7-F61DA3784898}" sibTransId="{8BC82338-2CC6-418B-B548-5581BB3865BE}"/>
     <dgm:cxn modelId="{C585C7F9-7B86-4540-9017-F6FBE3EE4F46}" srcId="{04476399-DAC7-4AB7-9259-3EE68B367E57}" destId="{8CD25525-8A3F-4018-8D51-F06DAE1857F9}" srcOrd="0" destOrd="0" parTransId="{61A4D601-E766-40DB-8788-857FFDEE1F3C}" sibTransId="{00CB008D-E152-485E-954C-A67E22C1B12D}"/>
-    <dgm:cxn modelId="{9F6F337E-C99F-42FA-8346-0186EEDA7153}" type="presOf" srcId="{913EBCAA-34DD-4E65-89F8-F00274A4DB2A}" destId="{77986429-446B-4662-9001-D5E6AEE91DA6}" srcOrd="0" destOrd="0" presId="urn:microsoft.com/office/officeart/2005/8/layout/arrow2"/>
+    <dgm:cxn modelId="{DD06414B-2EAB-41B6-BCF3-C5140E02527C}" srcId="{04476399-DAC7-4AB7-9259-3EE68B367E57}" destId="{0A748ED9-4890-413F-8961-F1D7D4ECF5EE}" srcOrd="6" destOrd="0" parTransId="{AAAFFE37-4994-42AE-B8E1-8DA7DF892481}" sibTransId="{1CF1286D-69E7-42F7-9926-503AF551BF3F}"/>
     <dgm:cxn modelId="{9EC25DE4-DDF2-4F57-A3DA-4E9914785504}" type="presParOf" srcId="{F84781A0-2FF9-4F53-86D8-5F553670E814}" destId="{5806A708-CD27-48DC-97F3-CE97B1187EE6}" srcOrd="0" destOrd="0" presId="urn:microsoft.com/office/officeart/2005/8/layout/arrow2"/>
-    <dgm:cxn modelId="{1E8510C0-0BFA-46D7-AFBD-289D5553E94B}" type="presParOf" srcId="{F84781A0-2FF9-4F53-86D8-5F553670E814}" destId="{E7C9D1B7-0589-4825-A7E6-EC566DC450BB}" srcOrd="1" destOrd="0" presId="urn:microsoft.com/office/officeart/2005/8/layout/arrow2"/>
-    <dgm:cxn modelId="{106016F3-30AC-4094-AEEB-4434C837DECC}" type="presParOf" srcId="{E7C9D1B7-0589-4825-A7E6-EC566DC450BB}" destId="{6731052F-F84C-4876-A875-C5CDBACBFF8E}" srcOrd="0" destOrd="0" presId="urn:microsoft.com/office/officeart/2005/8/layout/arrow2"/>
-    <dgm:cxn modelId="{4F9E48C7-B6B7-4AC2-975D-73B205E65B2E}" type="presParOf" srcId="{E7C9D1B7-0589-4825-A7E6-EC566DC450BB}" destId="{3C25AB73-4E14-442F-9C0B-E60288BD81CE}" srcOrd="1" destOrd="0" presId="urn:microsoft.com/office/officeart/2005/8/layout/arrow2"/>
-    <dgm:cxn modelId="{A86371E3-A863-4A77-A998-7B1F0CEF4474}" type="presParOf" srcId="{E7C9D1B7-0589-4825-A7E6-EC566DC450BB}" destId="{7A49D97B-53F1-419D-A704-047956E0D6DE}" srcOrd="2" destOrd="0" presId="urn:microsoft.com/office/officeart/2005/8/layout/arrow2"/>
-    <dgm:cxn modelId="{2C307EBD-10DD-45C1-944C-4088679EFBAE}" type="presParOf" srcId="{E7C9D1B7-0589-4825-A7E6-EC566DC450BB}" destId="{77986429-446B-4662-9001-D5E6AEE91DA6}" srcOrd="3" destOrd="0" presId="urn:microsoft.com/office/officeart/2005/8/layout/arrow2"/>
-    <dgm:cxn modelId="{7F3EF7EE-FF8F-48B7-A8C3-B85CC7A1D2A4}" type="presParOf" srcId="{E7C9D1B7-0589-4825-A7E6-EC566DC450BB}" destId="{ECFC22F7-C7B9-4FE2-B309-A9F9EC3B4616}" srcOrd="4" destOrd="0" presId="urn:microsoft.com/office/officeart/2005/8/layout/arrow2"/>
-    <dgm:cxn modelId="{2566D328-24CC-4DD0-9CCE-AF9EB412CA77}" type="presParOf" srcId="{E7C9D1B7-0589-4825-A7E6-EC566DC450BB}" destId="{3385743A-9241-4960-9E8C-4FA04906EF3F}" srcOrd="5" destOrd="0" presId="urn:microsoft.com/office/officeart/2005/8/layout/arrow2"/>
+    <dgm:cxn modelId="{ABCD7BF7-45C3-4807-A5E6-F604B2179B1C}" type="presParOf" srcId="{F84781A0-2FF9-4F53-86D8-5F553670E814}" destId="{1678C7E9-A915-4F25-AF03-3F1527BBE12D}" srcOrd="1" destOrd="0" presId="urn:microsoft.com/office/officeart/2005/8/layout/arrow2"/>
+    <dgm:cxn modelId="{D375F1E3-23AD-443E-9C51-556F2D8536E3}" type="presParOf" srcId="{1678C7E9-A915-4F25-AF03-3F1527BBE12D}" destId="{E3CC5945-221B-4338-9451-43D5310B86D5}" srcOrd="0" destOrd="0" presId="urn:microsoft.com/office/officeart/2005/8/layout/arrow2"/>
+    <dgm:cxn modelId="{A16CB28A-76A2-43C2-948D-C9CB99950272}" type="presParOf" srcId="{1678C7E9-A915-4F25-AF03-3F1527BBE12D}" destId="{B5CCFE30-FF39-4624-BA84-FEBEE9AE5943}" srcOrd="1" destOrd="0" presId="urn:microsoft.com/office/officeart/2005/8/layout/arrow2"/>
+    <dgm:cxn modelId="{98BF72B2-0112-4E25-A3F4-006C4B8DAF49}" type="presParOf" srcId="{1678C7E9-A915-4F25-AF03-3F1527BBE12D}" destId="{EC5353D4-8BDE-48E8-BD66-2AD480DD482D}" srcOrd="2" destOrd="0" presId="urn:microsoft.com/office/officeart/2005/8/layout/arrow2"/>
+    <dgm:cxn modelId="{92A5A612-E1E9-4312-B630-36C2B68A94FF}" type="presParOf" srcId="{1678C7E9-A915-4F25-AF03-3F1527BBE12D}" destId="{AAA8C9B1-5769-4E3A-A55F-CCFCABF2AAE6}" srcOrd="3" destOrd="0" presId="urn:microsoft.com/office/officeart/2005/8/layout/arrow2"/>
+    <dgm:cxn modelId="{E74F07F1-8007-40C7-842C-78CB7DE76E7A}" type="presParOf" srcId="{1678C7E9-A915-4F25-AF03-3F1527BBE12D}" destId="{49760AD1-0A42-4F00-8223-8F88CF2920A0}" srcOrd="4" destOrd="0" presId="urn:microsoft.com/office/officeart/2005/8/layout/arrow2"/>
+    <dgm:cxn modelId="{6FACA5DA-F297-4A8D-A4ED-8366C0E44E2A}" type="presParOf" srcId="{1678C7E9-A915-4F25-AF03-3F1527BBE12D}" destId="{790158A8-EF4D-405F-96F7-AC2C0D43F282}" srcOrd="5" destOrd="0" presId="urn:microsoft.com/office/officeart/2005/8/layout/arrow2"/>
+    <dgm:cxn modelId="{7433AE58-D100-4B76-A153-2BAC45091C66}" type="presParOf" srcId="{1678C7E9-A915-4F25-AF03-3F1527BBE12D}" destId="{1E7AD0DE-A743-451D-862E-676629FC20D9}" srcOrd="6" destOrd="0" presId="urn:microsoft.com/office/officeart/2005/8/layout/arrow2"/>
+    <dgm:cxn modelId="{AC31EAC8-453F-4D23-939A-426E9AE20CBF}" type="presParOf" srcId="{1678C7E9-A915-4F25-AF03-3F1527BBE12D}" destId="{56982D7E-6797-4C8C-ABD0-2F1B6C178454}" srcOrd="7" destOrd="0" presId="urn:microsoft.com/office/officeart/2005/8/layout/arrow2"/>
+    <dgm:cxn modelId="{6718C9D2-12DC-46C9-AEFC-490B6896F66E}" type="presParOf" srcId="{1678C7E9-A915-4F25-AF03-3F1527BBE12D}" destId="{480F231A-510A-41F3-B267-7994AFB42A6B}" srcOrd="8" destOrd="0" presId="urn:microsoft.com/office/officeart/2005/8/layout/arrow2"/>
+    <dgm:cxn modelId="{C5559EF7-43EF-4352-88BA-CFE1CE91833E}" type="presParOf" srcId="{1678C7E9-A915-4F25-AF03-3F1527BBE12D}" destId="{BA335C35-DD64-40DF-819E-C46FE4E35670}" srcOrd="9" destOrd="0" presId="urn:microsoft.com/office/officeart/2005/8/layout/arrow2"/>
   </dgm:cxnLst>
   <dgm:bg/>
   <dgm:whole/>
@@ -2838,6 +3094,13 @@
         </dgm:presLayoutVars>
       </dgm:prSet>
       <dgm:spPr/>
+      <dgm:t>
+        <a:bodyPr/>
+        <a:lstStyle/>
+        <a:p>
+          <a:endParaRPr lang="es-CO"/>
+        </a:p>
+      </dgm:t>
     </dgm:pt>
     <dgm:pt modelId="{01DAE040-E3ED-41C9-A71C-ABDFCDFB3AB0}" type="pres">
       <dgm:prSet presAssocID="{E65409D9-3E7E-4F85-84F6-81B2AC512426}" presName="boxAndChildren" presStyleCnt="0"/>
@@ -2891,6 +3154,13 @@
         </dgm:presLayoutVars>
       </dgm:prSet>
       <dgm:spPr/>
+      <dgm:t>
+        <a:bodyPr/>
+        <a:lstStyle/>
+        <a:p>
+          <a:endParaRPr lang="es-CO"/>
+        </a:p>
+      </dgm:t>
     </dgm:pt>
     <dgm:pt modelId="{CA9EAED9-AE2C-498D-993F-A867CC888488}" type="pres">
       <dgm:prSet presAssocID="{CCA07D0C-5EDD-428A-875E-D22AADB44B6C}" presName="childTextBox" presStyleLbl="fgAccFollowNode1" presStyleIdx="2" presStyleCnt="21">
@@ -2899,6 +3169,13 @@
         </dgm:presLayoutVars>
       </dgm:prSet>
       <dgm:spPr/>
+      <dgm:t>
+        <a:bodyPr/>
+        <a:lstStyle/>
+        <a:p>
+          <a:endParaRPr lang="es-CO"/>
+        </a:p>
+      </dgm:t>
     </dgm:pt>
     <dgm:pt modelId="{B6B26D77-F8BB-4618-9C4A-5DFBB961ED81}" type="pres">
       <dgm:prSet presAssocID="{25B1A82E-B156-4728-956A-514BED858587}" presName="childTextBox" presStyleLbl="fgAccFollowNode1" presStyleIdx="3" presStyleCnt="21">
@@ -2907,6 +3184,13 @@
         </dgm:presLayoutVars>
       </dgm:prSet>
       <dgm:spPr/>
+      <dgm:t>
+        <a:bodyPr/>
+        <a:lstStyle/>
+        <a:p>
+          <a:endParaRPr lang="es-CO"/>
+        </a:p>
+      </dgm:t>
     </dgm:pt>
     <dgm:pt modelId="{F158B9C1-5FAC-4DFE-A0D8-2A1F8B45373A}" type="pres">
       <dgm:prSet presAssocID="{B26B0778-1FFA-4360-9932-60ADF99C3C22}" presName="childTextBox" presStyleLbl="fgAccFollowNode1" presStyleIdx="4" presStyleCnt="21">
@@ -2915,6 +3199,13 @@
         </dgm:presLayoutVars>
       </dgm:prSet>
       <dgm:spPr/>
+      <dgm:t>
+        <a:bodyPr/>
+        <a:lstStyle/>
+        <a:p>
+          <a:endParaRPr lang="es-CO"/>
+        </a:p>
+      </dgm:t>
     </dgm:pt>
     <dgm:pt modelId="{AF539F03-B290-4306-A906-C124B9119D33}" type="pres">
       <dgm:prSet presAssocID="{EE0371D3-73D8-4CE0-B90C-C6719086B0CF}" presName="childTextBox" presStyleLbl="fgAccFollowNode1" presStyleIdx="5" presStyleCnt="21">
@@ -2923,6 +3214,13 @@
         </dgm:presLayoutVars>
       </dgm:prSet>
       <dgm:spPr/>
+      <dgm:t>
+        <a:bodyPr/>
+        <a:lstStyle/>
+        <a:p>
+          <a:endParaRPr lang="es-CO"/>
+        </a:p>
+      </dgm:t>
     </dgm:pt>
     <dgm:pt modelId="{2CB794CA-F065-42A6-B53D-B947E3B7363E}" type="pres">
       <dgm:prSet presAssocID="{8BA327DE-EA3A-4DFD-858F-7493595AEBD7}" presName="childTextBox" presStyleLbl="fgAccFollowNode1" presStyleIdx="6" presStyleCnt="21">
@@ -2931,6 +3229,13 @@
         </dgm:presLayoutVars>
       </dgm:prSet>
       <dgm:spPr/>
+      <dgm:t>
+        <a:bodyPr/>
+        <a:lstStyle/>
+        <a:p>
+          <a:endParaRPr lang="es-CO"/>
+        </a:p>
+      </dgm:t>
     </dgm:pt>
     <dgm:pt modelId="{DF4DF093-B918-4B34-B1EA-EF0A1EF00EF9}" type="pres">
       <dgm:prSet presAssocID="{47234430-40BF-459E-9524-074CE342240F}" presName="sp" presStyleCnt="0"/>
@@ -3003,6 +3308,13 @@
         </dgm:presLayoutVars>
       </dgm:prSet>
       <dgm:spPr/>
+      <dgm:t>
+        <a:bodyPr/>
+        <a:lstStyle/>
+        <a:p>
+          <a:endParaRPr lang="es-CO"/>
+        </a:p>
+      </dgm:t>
     </dgm:pt>
     <dgm:pt modelId="{CDFA7EFE-8E8A-491F-A7A1-52467C51A886}" type="pres">
       <dgm:prSet presAssocID="{F03D7934-E627-4AC3-9807-1D4FDEF07A61}" presName="childTextArrow" presStyleLbl="fgAccFollowNode1" presStyleIdx="10" presStyleCnt="21">
@@ -3011,6 +3323,13 @@
         </dgm:presLayoutVars>
       </dgm:prSet>
       <dgm:spPr/>
+      <dgm:t>
+        <a:bodyPr/>
+        <a:lstStyle/>
+        <a:p>
+          <a:endParaRPr lang="es-CO"/>
+        </a:p>
+      </dgm:t>
     </dgm:pt>
     <dgm:pt modelId="{97C1A7A5-FA66-4ECE-9105-B9D2CC627A53}" type="pres">
       <dgm:prSet presAssocID="{CF3E4AC9-29EE-4759-8C6E-E87457FEC2C5}" presName="childTextArrow" presStyleLbl="fgAccFollowNode1" presStyleIdx="11" presStyleCnt="21">
@@ -3019,6 +3338,13 @@
         </dgm:presLayoutVars>
       </dgm:prSet>
       <dgm:spPr/>
+      <dgm:t>
+        <a:bodyPr/>
+        <a:lstStyle/>
+        <a:p>
+          <a:endParaRPr lang="es-CO"/>
+        </a:p>
+      </dgm:t>
     </dgm:pt>
     <dgm:pt modelId="{54BE5799-D379-4919-927D-D4F9A3B6B534}" type="pres">
       <dgm:prSet presAssocID="{63E45A4B-D8AA-409C-BD40-07578E8F9326}" presName="childTextArrow" presStyleLbl="fgAccFollowNode1" presStyleIdx="12" presStyleCnt="21">
@@ -3027,6 +3353,13 @@
         </dgm:presLayoutVars>
       </dgm:prSet>
       <dgm:spPr/>
+      <dgm:t>
+        <a:bodyPr/>
+        <a:lstStyle/>
+        <a:p>
+          <a:endParaRPr lang="es-CO"/>
+        </a:p>
+      </dgm:t>
     </dgm:pt>
     <dgm:pt modelId="{9B5B53E2-D5F3-4F53-9729-66B020E26AFF}" type="pres">
       <dgm:prSet presAssocID="{63D6FABF-61F0-4AB5-BAAE-843476404267}" presName="childTextArrow" presStyleLbl="fgAccFollowNode1" presStyleIdx="13" presStyleCnt="21">
@@ -3035,6 +3368,13 @@
         </dgm:presLayoutVars>
       </dgm:prSet>
       <dgm:spPr/>
+      <dgm:t>
+        <a:bodyPr/>
+        <a:lstStyle/>
+        <a:p>
+          <a:endParaRPr lang="es-CO"/>
+        </a:p>
+      </dgm:t>
     </dgm:pt>
     <dgm:pt modelId="{DC0F4F88-17AF-449E-85C9-7ED4EE1596D8}" type="pres">
       <dgm:prSet presAssocID="{676C2B7D-046C-4841-AB2D-FC79DF653A68}" presName="sp" presStyleCnt="0"/>
@@ -3056,7 +3396,7 @@
       </dgm:t>
     </dgm:pt>
     <dgm:pt modelId="{2FC344A2-6494-4B22-A83F-6429DEFF4813}" type="pres">
-      <dgm:prSet presAssocID="{E0822E13-3738-49DA-8ABB-0672E8237C45}" presName="arrow" presStyleLbl="node1" presStyleIdx="2" presStyleCnt="3"/>
+      <dgm:prSet presAssocID="{E0822E13-3738-49DA-8ABB-0672E8237C45}" presName="arrow" presStyleLbl="node1" presStyleIdx="2" presStyleCnt="3" custLinFactNeighborX="-980"/>
       <dgm:spPr/>
       <dgm:t>
         <a:bodyPr/>
@@ -3077,6 +3417,13 @@
         </dgm:presLayoutVars>
       </dgm:prSet>
       <dgm:spPr/>
+      <dgm:t>
+        <a:bodyPr/>
+        <a:lstStyle/>
+        <a:p>
+          <a:endParaRPr lang="es-CO"/>
+        </a:p>
+      </dgm:t>
     </dgm:pt>
     <dgm:pt modelId="{8FC6BD84-486C-4EBE-A535-0EF87B52843F}" type="pres">
       <dgm:prSet presAssocID="{F3CDF9F3-4649-4A3B-9429-83FF94DB0743}" presName="childTextArrow" presStyleLbl="fgAccFollowNode1" presStyleIdx="15" presStyleCnt="21">
@@ -3145,6 +3492,13 @@
         </dgm:presLayoutVars>
       </dgm:prSet>
       <dgm:spPr/>
+      <dgm:t>
+        <a:bodyPr/>
+        <a:lstStyle/>
+        <a:p>
+          <a:endParaRPr lang="es-CO"/>
+        </a:p>
+      </dgm:t>
     </dgm:pt>
     <dgm:pt modelId="{B88E3FC1-8C73-40FB-8A18-5B7F12D9471B}" type="pres">
       <dgm:prSet presAssocID="{8795D509-2F87-4B60-AF7A-4E8450F1E4BE}" presName="childTextArrow" presStyleLbl="fgAccFollowNode1" presStyleIdx="20" presStyleCnt="21">
@@ -3153,6 +3507,13 @@
         </dgm:presLayoutVars>
       </dgm:prSet>
       <dgm:spPr/>
+      <dgm:t>
+        <a:bodyPr/>
+        <a:lstStyle/>
+        <a:p>
+          <a:endParaRPr lang="es-CO"/>
+        </a:p>
+      </dgm:t>
     </dgm:pt>
   </dgm:ptLst>
   <dgm:cxnLst>
@@ -3280,11 +3641,8 @@
         </a:prstGeom>
         <a:solidFill>
           <a:schemeClr val="accent1">
-            <a:tint val="40000"/>
-            <a:hueOff val="0"/>
-            <a:satOff val="0"/>
-            <a:lumOff val="0"/>
-            <a:alphaOff val="0"/>
+            <a:lumMod val="20000"/>
+            <a:lumOff val="80000"/>
           </a:schemeClr>
         </a:solidFill>
         <a:ln>
@@ -3311,61 +3669,55 @@
         <a:fontRef idx="minor"/>
       </dsp:style>
     </dsp:sp>
-    <dsp:sp modelId="{6731052F-F84C-4876-A875-C5CDBACBFF8E}">
+    <dsp:sp modelId="{E3CC5945-221B-4338-9451-43D5310B86D5}">
       <dsp:nvSpPr>
         <dsp:cNvPr id="0" name=""/>
         <dsp:cNvSpPr/>
       </dsp:nvSpPr>
       <dsp:spPr>
         <a:xfrm>
-          <a:off x="667492" y="2059473"/>
-          <a:ext cx="124129" cy="124129"/>
+          <a:off x="466258" y="2266458"/>
+          <a:ext cx="109806" cy="109806"/>
         </a:xfrm>
         <a:prstGeom prst="ellipse">
           <a:avLst/>
         </a:prstGeom>
-        <a:gradFill rotWithShape="0">
+        <a:gradFill rotWithShape="1">
           <a:gsLst>
             <a:gs pos="0">
-              <a:schemeClr val="accent1">
-                <a:hueOff val="0"/>
-                <a:satOff val="0"/>
-                <a:lumOff val="0"/>
-                <a:alphaOff val="0"/>
-                <a:tint val="50000"/>
-                <a:satMod val="300000"/>
+              <a:schemeClr val="accent3">
+                <a:shade val="51000"/>
+                <a:satMod val="130000"/>
               </a:schemeClr>
             </a:gs>
-            <a:gs pos="35000">
-              <a:schemeClr val="accent1">
-                <a:hueOff val="0"/>
-                <a:satOff val="0"/>
-                <a:lumOff val="0"/>
-                <a:alphaOff val="0"/>
-                <a:tint val="37000"/>
-                <a:satMod val="300000"/>
+            <a:gs pos="80000">
+              <a:schemeClr val="accent3">
+                <a:shade val="93000"/>
+                <a:satMod val="130000"/>
               </a:schemeClr>
             </a:gs>
             <a:gs pos="100000">
-              <a:schemeClr val="accent1">
-                <a:hueOff val="0"/>
-                <a:satOff val="0"/>
-                <a:lumOff val="0"/>
-                <a:alphaOff val="0"/>
-                <a:tint val="15000"/>
-                <a:satMod val="350000"/>
+              <a:schemeClr val="accent3">
+                <a:shade val="94000"/>
+                <a:satMod val="135000"/>
               </a:schemeClr>
             </a:gs>
           </a:gsLst>
-          <a:lin ang="16200000" scaled="1"/>
+          <a:lin ang="16200000" scaled="0"/>
         </a:gradFill>
-        <a:ln>
-          <a:noFill/>
+        <a:ln w="9525" cap="flat" cmpd="sng" algn="ctr">
+          <a:solidFill>
+            <a:schemeClr val="accent3">
+              <a:shade val="95000"/>
+              <a:satMod val="105000"/>
+            </a:schemeClr>
+          </a:solidFill>
+          <a:prstDash val="solid"/>
         </a:ln>
         <a:effectLst>
-          <a:outerShdw blurRad="40000" dist="20000" dir="5400000" rotWithShape="0">
+          <a:outerShdw blurRad="40000" dist="23000" dir="5400000" rotWithShape="0">
             <a:srgbClr val="000000">
-              <a:alpha val="38000"/>
+              <a:alpha val="35000"/>
             </a:srgbClr>
           </a:outerShdw>
         </a:effectLst>
@@ -3373,34 +3725,32 @@
           <a:camera prst="orthographicFront"/>
           <a:lightRig rig="flat" dir="t"/>
         </a:scene3d>
-        <a:sp3d prstMaterial="dkEdge">
-          <a:bevelT w="8200" h="38100"/>
-        </a:sp3d>
+        <a:sp3d/>
       </dsp:spPr>
       <dsp:style>
-        <a:lnRef idx="0">
-          <a:scrgbClr r="0" g="0" b="0"/>
+        <a:lnRef idx="1">
+          <a:schemeClr val="accent3"/>
         </a:lnRef>
-        <a:fillRef idx="2">
-          <a:scrgbClr r="0" g="0" b="0"/>
+        <a:fillRef idx="3">
+          <a:schemeClr val="accent3"/>
         </a:fillRef>
-        <a:effectRef idx="1">
-          <a:scrgbClr r="0" g="0" b="0"/>
+        <a:effectRef idx="2">
+          <a:schemeClr val="accent3"/>
         </a:effectRef>
         <a:fontRef idx="minor">
-          <a:schemeClr val="dk1"/>
+          <a:schemeClr val="lt1"/>
         </a:fontRef>
       </dsp:style>
     </dsp:sp>
-    <dsp:sp modelId="{3C25AB73-4E14-442F-9C0B-E60288BD81CE}">
+    <dsp:sp modelId="{B5CCFE30-FF39-4624-BA84-FEBEE9AE5943}">
       <dsp:nvSpPr>
         <dsp:cNvPr id="0" name=""/>
         <dsp:cNvSpPr/>
       </dsp:nvSpPr>
       <dsp:spPr>
         <a:xfrm>
-          <a:off x="729557" y="2121538"/>
-          <a:ext cx="1112390" cy="862341"/>
+          <a:off x="598711" y="2273716"/>
+          <a:ext cx="913459" cy="710163"/>
         </a:xfrm>
         <a:prstGeom prst="rect">
           <a:avLst/>
@@ -3424,12 +3774,12 @@
         <a:fontRef idx="minor"/>
       </dsp:style>
       <dsp:txBody>
-        <a:bodyPr spcFirstLastPara="0" vert="horz" wrap="square" lIns="65774" tIns="0" rIns="0" bIns="0" numCol="1" spcCol="1270" anchor="t" anchorCtr="0">
+        <a:bodyPr spcFirstLastPara="0" vert="horz" wrap="square" lIns="58184" tIns="0" rIns="0" bIns="0" numCol="1" spcCol="1270" anchor="t" anchorCtr="0">
           <a:noAutofit/>
         </a:bodyPr>
         <a:lstStyle/>
         <a:p>
-          <a:pPr lvl="0" algn="l" defTabSz="800100">
+          <a:pPr lvl="0" algn="l" defTabSz="577850">
             <a:lnSpc>
               <a:spcPct val="90000"/>
             </a:lnSpc>
@@ -3441,76 +3791,70 @@
             </a:spcAft>
           </a:pPr>
           <a:r>
-            <a:rPr lang="es-ES" sz="1800" b="1" kern="1200" noProof="0" dirty="0" smtClean="0"/>
+            <a:rPr lang="es-ES" sz="1300" b="1" kern="1200" noProof="0" dirty="0" smtClean="0"/>
             <a:t>Ordenes</a:t>
           </a:r>
           <a:r>
-            <a:rPr lang="es-ES" sz="1800" b="1" kern="1200" dirty="0" smtClean="0"/>
+            <a:rPr lang="es-ES" sz="1300" b="1" kern="1200" dirty="0" smtClean="0"/>
             <a:t> de Compra</a:t>
           </a:r>
-          <a:endParaRPr lang="es-ES" sz="1800" b="1" kern="1200" dirty="0"/>
+          <a:endParaRPr lang="es-ES" sz="1300" b="1" kern="1200" dirty="0"/>
         </a:p>
       </dsp:txBody>
       <dsp:txXfrm>
-        <a:off x="729557" y="2121538"/>
-        <a:ext cx="1112390" cy="862341"/>
+        <a:off x="598711" y="2273716"/>
+        <a:ext cx="913459" cy="710163"/>
       </dsp:txXfrm>
     </dsp:sp>
-    <dsp:sp modelId="{7A49D97B-53F1-419D-A704-047956E0D6DE}">
+    <dsp:sp modelId="{EC5353D4-8BDE-48E8-BD66-2AD480DD482D}">
       <dsp:nvSpPr>
         <dsp:cNvPr id="0" name=""/>
         <dsp:cNvSpPr/>
       </dsp:nvSpPr>
       <dsp:spPr>
         <a:xfrm>
-          <a:off x="1763173" y="1248455"/>
-          <a:ext cx="224387" cy="224387"/>
+          <a:off x="936104" y="1728192"/>
+          <a:ext cx="171871" cy="171871"/>
         </a:xfrm>
         <a:prstGeom prst="ellipse">
           <a:avLst/>
         </a:prstGeom>
-        <a:gradFill rotWithShape="0">
+        <a:gradFill rotWithShape="1">
           <a:gsLst>
             <a:gs pos="0">
-              <a:schemeClr val="accent1">
-                <a:hueOff val="0"/>
-                <a:satOff val="0"/>
-                <a:lumOff val="0"/>
-                <a:alphaOff val="0"/>
-                <a:tint val="50000"/>
-                <a:satMod val="300000"/>
+              <a:schemeClr val="accent3">
+                <a:shade val="51000"/>
+                <a:satMod val="130000"/>
               </a:schemeClr>
             </a:gs>
-            <a:gs pos="35000">
-              <a:schemeClr val="accent1">
-                <a:hueOff val="0"/>
-                <a:satOff val="0"/>
-                <a:lumOff val="0"/>
-                <a:alphaOff val="0"/>
-                <a:tint val="37000"/>
-                <a:satMod val="300000"/>
+            <a:gs pos="80000">
+              <a:schemeClr val="accent3">
+                <a:shade val="93000"/>
+                <a:satMod val="130000"/>
               </a:schemeClr>
             </a:gs>
             <a:gs pos="100000">
-              <a:schemeClr val="accent1">
-                <a:hueOff val="0"/>
-                <a:satOff val="0"/>
-                <a:lumOff val="0"/>
-                <a:alphaOff val="0"/>
-                <a:tint val="15000"/>
-                <a:satMod val="350000"/>
+              <a:schemeClr val="accent3">
+                <a:shade val="94000"/>
+                <a:satMod val="135000"/>
               </a:schemeClr>
             </a:gs>
           </a:gsLst>
-          <a:lin ang="16200000" scaled="1"/>
+          <a:lin ang="16200000" scaled="0"/>
         </a:gradFill>
-        <a:ln>
-          <a:noFill/>
+        <a:ln w="9525" cap="flat" cmpd="sng" algn="ctr">
+          <a:solidFill>
+            <a:schemeClr val="accent3">
+              <a:shade val="95000"/>
+              <a:satMod val="105000"/>
+            </a:schemeClr>
+          </a:solidFill>
+          <a:prstDash val="solid"/>
         </a:ln>
         <a:effectLst>
-          <a:outerShdw blurRad="40000" dist="20000" dir="5400000" rotWithShape="0">
+          <a:outerShdw blurRad="40000" dist="23000" dir="5400000" rotWithShape="0">
             <a:srgbClr val="000000">
-              <a:alpha val="38000"/>
+              <a:alpha val="35000"/>
             </a:srgbClr>
           </a:outerShdw>
         </a:effectLst>
@@ -3518,34 +3862,32 @@
           <a:camera prst="orthographicFront"/>
           <a:lightRig rig="flat" dir="t"/>
         </a:scene3d>
-        <a:sp3d prstMaterial="dkEdge">
-          <a:bevelT w="8200" h="38100"/>
-        </a:sp3d>
+        <a:sp3d/>
       </dsp:spPr>
       <dsp:style>
-        <a:lnRef idx="0">
-          <a:scrgbClr r="0" g="0" b="0"/>
+        <a:lnRef idx="1">
+          <a:schemeClr val="accent3"/>
         </a:lnRef>
-        <a:fillRef idx="2">
-          <a:scrgbClr r="0" g="0" b="0"/>
+        <a:fillRef idx="3">
+          <a:schemeClr val="accent3"/>
         </a:fillRef>
-        <a:effectRef idx="1">
-          <a:scrgbClr r="0" g="0" b="0"/>
+        <a:effectRef idx="2">
+          <a:schemeClr val="accent3"/>
         </a:effectRef>
         <a:fontRef idx="minor">
-          <a:schemeClr val="dk1"/>
+          <a:schemeClr val="lt1"/>
         </a:fontRef>
       </dsp:style>
     </dsp:sp>
-    <dsp:sp modelId="{77986429-446B-4662-9001-D5E6AEE91DA6}">
+    <dsp:sp modelId="{AAA8C9B1-5769-4E3A-A55F-CCFCABF2AAE6}">
       <dsp:nvSpPr>
         <dsp:cNvPr id="0" name=""/>
         <dsp:cNvSpPr/>
       </dsp:nvSpPr>
       <dsp:spPr>
         <a:xfrm>
-          <a:off x="1944218" y="1008116"/>
-          <a:ext cx="1145809" cy="536997"/>
+          <a:off x="1152130" y="1800197"/>
+          <a:ext cx="792518" cy="755098"/>
         </a:xfrm>
         <a:prstGeom prst="rect">
           <a:avLst/>
@@ -3569,12 +3911,12 @@
         <a:fontRef idx="minor"/>
       </dsp:style>
       <dsp:txBody>
-        <a:bodyPr spcFirstLastPara="0" vert="horz" wrap="square" lIns="118898" tIns="0" rIns="0" bIns="0" numCol="1" spcCol="1270" anchor="t" anchorCtr="0">
+        <a:bodyPr spcFirstLastPara="0" vert="horz" wrap="square" lIns="91071" tIns="0" rIns="0" bIns="0" numCol="1" spcCol="1270" anchor="t" anchorCtr="0">
           <a:noAutofit/>
         </a:bodyPr>
         <a:lstStyle/>
         <a:p>
-          <a:pPr lvl="0" algn="l" defTabSz="800100">
+          <a:pPr lvl="0" algn="l" defTabSz="577850">
             <a:lnSpc>
               <a:spcPct val="90000"/>
             </a:lnSpc>
@@ -3586,72 +3928,66 @@
             </a:spcAft>
           </a:pPr>
           <a:r>
-            <a:rPr lang="es-ES" sz="1800" b="1" kern="1200" noProof="0" dirty="0" smtClean="0"/>
+            <a:rPr lang="es-ES" sz="1300" b="1" kern="1200" noProof="0" dirty="0" smtClean="0"/>
             <a:t>Subasta Inversa</a:t>
           </a:r>
-          <a:endParaRPr lang="es-ES" sz="1800" b="1" kern="1200" noProof="0" dirty="0"/>
+          <a:endParaRPr lang="es-ES" sz="1300" b="1" kern="1200" noProof="0" dirty="0"/>
         </a:p>
       </dsp:txBody>
       <dsp:txXfrm>
-        <a:off x="1944218" y="1008116"/>
-        <a:ext cx="1145809" cy="536997"/>
+        <a:off x="1152130" y="1800197"/>
+        <a:ext cx="792518" cy="755098"/>
       </dsp:txXfrm>
     </dsp:sp>
-    <dsp:sp modelId="{ECFC22F7-C7B9-4FE2-B309-A9F9EC3B4616}">
+    <dsp:sp modelId="{49760AD1-0A42-4F00-8223-8F88CF2920A0}">
       <dsp:nvSpPr>
         <dsp:cNvPr id="0" name=""/>
         <dsp:cNvSpPr/>
       </dsp:nvSpPr>
       <dsp:spPr>
         <a:xfrm>
-          <a:off x="3080854" y="754921"/>
-          <a:ext cx="310323" cy="310323"/>
+          <a:off x="1643047" y="1283008"/>
+          <a:ext cx="229161" cy="229161"/>
         </a:xfrm>
         <a:prstGeom prst="ellipse">
           <a:avLst/>
         </a:prstGeom>
-        <a:gradFill rotWithShape="0">
+        <a:gradFill rotWithShape="1">
           <a:gsLst>
             <a:gs pos="0">
-              <a:schemeClr val="accent1">
-                <a:hueOff val="0"/>
-                <a:satOff val="0"/>
-                <a:lumOff val="0"/>
-                <a:alphaOff val="0"/>
-                <a:tint val="50000"/>
-                <a:satMod val="300000"/>
+              <a:schemeClr val="accent3">
+                <a:shade val="51000"/>
+                <a:satMod val="130000"/>
               </a:schemeClr>
             </a:gs>
-            <a:gs pos="35000">
-              <a:schemeClr val="accent1">
-                <a:hueOff val="0"/>
-                <a:satOff val="0"/>
-                <a:lumOff val="0"/>
-                <a:alphaOff val="0"/>
-                <a:tint val="37000"/>
-                <a:satMod val="300000"/>
+            <a:gs pos="80000">
+              <a:schemeClr val="accent3">
+                <a:shade val="93000"/>
+                <a:satMod val="130000"/>
               </a:schemeClr>
             </a:gs>
             <a:gs pos="100000">
-              <a:schemeClr val="accent1">
-                <a:hueOff val="0"/>
-                <a:satOff val="0"/>
-                <a:lumOff val="0"/>
-                <a:alphaOff val="0"/>
-                <a:tint val="15000"/>
-                <a:satMod val="350000"/>
+              <a:schemeClr val="accent3">
+                <a:shade val="94000"/>
+                <a:satMod val="135000"/>
               </a:schemeClr>
             </a:gs>
           </a:gsLst>
-          <a:lin ang="16200000" scaled="1"/>
+          <a:lin ang="16200000" scaled="0"/>
         </a:gradFill>
-        <a:ln>
-          <a:noFill/>
+        <a:ln w="9525" cap="flat" cmpd="sng" algn="ctr">
+          <a:solidFill>
+            <a:schemeClr val="accent3">
+              <a:shade val="95000"/>
+              <a:satMod val="105000"/>
+            </a:schemeClr>
+          </a:solidFill>
+          <a:prstDash val="solid"/>
         </a:ln>
         <a:effectLst>
-          <a:outerShdw blurRad="40000" dist="20000" dir="5400000" rotWithShape="0">
+          <a:outerShdw blurRad="40000" dist="23000" dir="5400000" rotWithShape="0">
             <a:srgbClr val="000000">
-              <a:alpha val="38000"/>
+              <a:alpha val="35000"/>
             </a:srgbClr>
           </a:outerShdw>
         </a:effectLst>
@@ -3659,34 +3995,32 @@
           <a:camera prst="orthographicFront"/>
           <a:lightRig rig="flat" dir="t"/>
         </a:scene3d>
-        <a:sp3d prstMaterial="dkEdge">
-          <a:bevelT w="8200" h="38100"/>
-        </a:sp3d>
+        <a:sp3d/>
       </dsp:spPr>
       <dsp:style>
-        <a:lnRef idx="0">
-          <a:scrgbClr r="0" g="0" b="0"/>
+        <a:lnRef idx="1">
+          <a:schemeClr val="accent3"/>
         </a:lnRef>
-        <a:fillRef idx="2">
-          <a:scrgbClr r="0" g="0" b="0"/>
+        <a:fillRef idx="3">
+          <a:schemeClr val="accent3"/>
         </a:fillRef>
-        <a:effectRef idx="1">
-          <a:scrgbClr r="0" g="0" b="0"/>
+        <a:effectRef idx="2">
+          <a:schemeClr val="accent3"/>
         </a:effectRef>
         <a:fontRef idx="minor">
-          <a:schemeClr val="dk1"/>
+          <a:schemeClr val="lt1"/>
         </a:fontRef>
       </dsp:style>
     </dsp:sp>
-    <dsp:sp modelId="{3385743A-9241-4960-9E8C-4FA04906EF3F}">
+    <dsp:sp modelId="{790158A8-EF4D-405F-96F7-AC2C0D43F282}">
       <dsp:nvSpPr>
         <dsp:cNvPr id="0" name=""/>
         <dsp:cNvSpPr/>
       </dsp:nvSpPr>
       <dsp:spPr>
         <a:xfrm>
-          <a:off x="3240364" y="576067"/>
-          <a:ext cx="1455167" cy="570522"/>
+          <a:off x="1872212" y="1397821"/>
+          <a:ext cx="921422" cy="546397"/>
         </a:xfrm>
         <a:prstGeom prst="rect">
           <a:avLst/>
@@ -3710,12 +4044,12 @@
         <a:fontRef idx="minor"/>
       </dsp:style>
       <dsp:txBody>
-        <a:bodyPr spcFirstLastPara="0" vert="horz" wrap="square" lIns="164434" tIns="0" rIns="0" bIns="0" numCol="1" spcCol="1270" anchor="t" anchorCtr="0">
+        <a:bodyPr spcFirstLastPara="0" vert="horz" wrap="square" lIns="121428" tIns="0" rIns="0" bIns="0" numCol="1" spcCol="1270" anchor="t" anchorCtr="0">
           <a:noAutofit/>
         </a:bodyPr>
         <a:lstStyle/>
         <a:p>
-          <a:pPr lvl="0" algn="l" defTabSz="800100">
+          <a:pPr lvl="0" algn="l" defTabSz="577850">
             <a:lnSpc>
               <a:spcPct val="90000"/>
             </a:lnSpc>
@@ -3727,15 +4061,281 @@
             </a:spcAft>
           </a:pPr>
           <a:r>
-            <a:rPr lang="es-ES" sz="1800" b="1" kern="1200" noProof="0" dirty="0" smtClean="0"/>
+            <a:rPr lang="es-ES" sz="1300" b="1" kern="1200" noProof="0" dirty="0" smtClean="0"/>
             <a:t>Registro de Entidades</a:t>
           </a:r>
-          <a:endParaRPr lang="es-ES" sz="1800" b="1" kern="1200" noProof="0" dirty="0"/>
+          <a:endParaRPr lang="es-ES" sz="1300" b="1" kern="1200" noProof="0" dirty="0"/>
         </a:p>
       </dsp:txBody>
       <dsp:txXfrm>
-        <a:off x="3240364" y="576067"/>
-        <a:ext cx="1455167" cy="570522"/>
+        <a:off x="1872212" y="1397821"/>
+        <a:ext cx="921422" cy="546397"/>
+      </dsp:txXfrm>
+    </dsp:sp>
+    <dsp:sp modelId="{1E7AD0DE-A743-451D-862E-676629FC20D9}">
+      <dsp:nvSpPr>
+        <dsp:cNvPr id="0" name=""/>
+        <dsp:cNvSpPr/>
+      </dsp:nvSpPr>
+      <dsp:spPr>
+        <a:xfrm>
+          <a:off x="2448272" y="928135"/>
+          <a:ext cx="296000" cy="296000"/>
+        </a:xfrm>
+        <a:prstGeom prst="ellipse">
+          <a:avLst/>
+        </a:prstGeom>
+        <a:gradFill rotWithShape="1">
+          <a:gsLst>
+            <a:gs pos="0">
+              <a:schemeClr val="accent2">
+                <a:shade val="51000"/>
+                <a:satMod val="130000"/>
+              </a:schemeClr>
+            </a:gs>
+            <a:gs pos="80000">
+              <a:schemeClr val="accent2">
+                <a:shade val="93000"/>
+                <a:satMod val="130000"/>
+              </a:schemeClr>
+            </a:gs>
+            <a:gs pos="100000">
+              <a:schemeClr val="accent2">
+                <a:shade val="94000"/>
+                <a:satMod val="135000"/>
+              </a:schemeClr>
+            </a:gs>
+          </a:gsLst>
+          <a:lin ang="16200000" scaled="0"/>
+        </a:gradFill>
+        <a:ln w="9525" cap="flat" cmpd="sng" algn="ctr">
+          <a:solidFill>
+            <a:schemeClr val="accent2">
+              <a:shade val="95000"/>
+              <a:satMod val="105000"/>
+            </a:schemeClr>
+          </a:solidFill>
+          <a:prstDash val="solid"/>
+        </a:ln>
+        <a:effectLst>
+          <a:outerShdw blurRad="40000" dist="23000" dir="5400000" rotWithShape="0">
+            <a:srgbClr val="000000">
+              <a:alpha val="35000"/>
+            </a:srgbClr>
+          </a:outerShdw>
+        </a:effectLst>
+        <a:scene3d>
+          <a:camera prst="orthographicFront"/>
+          <a:lightRig rig="flat" dir="t"/>
+        </a:scene3d>
+        <a:sp3d/>
+      </dsp:spPr>
+      <dsp:style>
+        <a:lnRef idx="1">
+          <a:schemeClr val="accent2"/>
+        </a:lnRef>
+        <a:fillRef idx="3">
+          <a:schemeClr val="accent2"/>
+        </a:fillRef>
+        <a:effectRef idx="2">
+          <a:schemeClr val="accent2"/>
+        </a:effectRef>
+        <a:fontRef idx="minor">
+          <a:schemeClr val="lt1"/>
+        </a:fontRef>
+      </dsp:style>
+    </dsp:sp>
+    <dsp:sp modelId="{56982D7E-6797-4C8C-ABD0-2F1B6C178454}">
+      <dsp:nvSpPr>
+        <dsp:cNvPr id="0" name=""/>
+        <dsp:cNvSpPr/>
+      </dsp:nvSpPr>
+      <dsp:spPr>
+        <a:xfrm>
+          <a:off x="2592290" y="1144036"/>
+          <a:ext cx="954841" cy="368132"/>
+        </a:xfrm>
+        <a:prstGeom prst="rect">
+          <a:avLst/>
+        </a:prstGeom>
+        <a:noFill/>
+        <a:ln>
+          <a:noFill/>
+        </a:ln>
+        <a:effectLst/>
+      </dsp:spPr>
+      <dsp:style>
+        <a:lnRef idx="0">
+          <a:scrgbClr r="0" g="0" b="0"/>
+        </a:lnRef>
+        <a:fillRef idx="0">
+          <a:scrgbClr r="0" g="0" b="0"/>
+        </a:fillRef>
+        <a:effectRef idx="0">
+          <a:scrgbClr r="0" g="0" b="0"/>
+        </a:effectRef>
+        <a:fontRef idx="minor"/>
+      </dsp:style>
+      <dsp:txBody>
+        <a:bodyPr spcFirstLastPara="0" vert="horz" wrap="square" lIns="156845" tIns="0" rIns="0" bIns="0" numCol="1" spcCol="1270" anchor="t" anchorCtr="0">
+          <a:noAutofit/>
+        </a:bodyPr>
+        <a:lstStyle/>
+        <a:p>
+          <a:pPr lvl="0" algn="l" defTabSz="577850">
+            <a:lnSpc>
+              <a:spcPct val="90000"/>
+            </a:lnSpc>
+            <a:spcBef>
+              <a:spcPct val="0"/>
+            </a:spcBef>
+            <a:spcAft>
+              <a:spcPct val="35000"/>
+            </a:spcAft>
+          </a:pPr>
+          <a:r>
+            <a:rPr lang="es-ES" sz="1300" b="1" kern="1200" noProof="0" dirty="0" smtClean="0"/>
+            <a:t>Facturación</a:t>
+          </a:r>
+          <a:endParaRPr lang="es-ES" sz="1300" b="1" kern="1200" noProof="0" dirty="0"/>
+        </a:p>
+      </dsp:txBody>
+      <dsp:txXfrm>
+        <a:off x="2592290" y="1144036"/>
+        <a:ext cx="954841" cy="368132"/>
+      </dsp:txXfrm>
+    </dsp:sp>
+    <dsp:sp modelId="{480F231A-510A-41F3-B267-7994AFB42A6B}">
+      <dsp:nvSpPr>
+        <dsp:cNvPr id="0" name=""/>
+        <dsp:cNvSpPr/>
+      </dsp:nvSpPr>
+      <dsp:spPr>
+        <a:xfrm>
+          <a:off x="3312369" y="630950"/>
+          <a:ext cx="377162" cy="377162"/>
+        </a:xfrm>
+        <a:prstGeom prst="ellipse">
+          <a:avLst/>
+        </a:prstGeom>
+        <a:gradFill rotWithShape="1">
+          <a:gsLst>
+            <a:gs pos="0">
+              <a:schemeClr val="accent2">
+                <a:shade val="51000"/>
+                <a:satMod val="130000"/>
+              </a:schemeClr>
+            </a:gs>
+            <a:gs pos="80000">
+              <a:schemeClr val="accent2">
+                <a:shade val="93000"/>
+                <a:satMod val="130000"/>
+              </a:schemeClr>
+            </a:gs>
+            <a:gs pos="100000">
+              <a:schemeClr val="accent2">
+                <a:shade val="94000"/>
+                <a:satMod val="135000"/>
+              </a:schemeClr>
+            </a:gs>
+          </a:gsLst>
+          <a:lin ang="16200000" scaled="0"/>
+        </a:gradFill>
+        <a:ln w="9525" cap="flat" cmpd="sng" algn="ctr">
+          <a:solidFill>
+            <a:schemeClr val="accent2">
+              <a:shade val="95000"/>
+              <a:satMod val="105000"/>
+            </a:schemeClr>
+          </a:solidFill>
+          <a:prstDash val="solid"/>
+        </a:ln>
+        <a:effectLst>
+          <a:outerShdw blurRad="40000" dist="23000" dir="5400000" rotWithShape="0">
+            <a:srgbClr val="000000">
+              <a:alpha val="35000"/>
+            </a:srgbClr>
+          </a:outerShdw>
+        </a:effectLst>
+        <a:scene3d>
+          <a:camera prst="orthographicFront"/>
+          <a:lightRig rig="flat" dir="t"/>
+        </a:scene3d>
+        <a:sp3d/>
+      </dsp:spPr>
+      <dsp:style>
+        <a:lnRef idx="1">
+          <a:schemeClr val="accent2"/>
+        </a:lnRef>
+        <a:fillRef idx="3">
+          <a:schemeClr val="accent2"/>
+        </a:fillRef>
+        <a:effectRef idx="2">
+          <a:schemeClr val="accent2"/>
+        </a:effectRef>
+        <a:fontRef idx="minor">
+          <a:schemeClr val="lt1"/>
+        </a:fontRef>
+      </dsp:style>
+    </dsp:sp>
+    <dsp:sp modelId="{BA335C35-DD64-40DF-819E-C46FE4E35670}">
+      <dsp:nvSpPr>
+        <dsp:cNvPr id="0" name=""/>
+        <dsp:cNvSpPr/>
+      </dsp:nvSpPr>
+      <dsp:spPr>
+        <a:xfrm>
+          <a:off x="3528388" y="980916"/>
+          <a:ext cx="954841" cy="315233"/>
+        </a:xfrm>
+        <a:prstGeom prst="rect">
+          <a:avLst/>
+        </a:prstGeom>
+        <a:noFill/>
+        <a:ln>
+          <a:noFill/>
+        </a:ln>
+        <a:effectLst/>
+      </dsp:spPr>
+      <dsp:style>
+        <a:lnRef idx="0">
+          <a:scrgbClr r="0" g="0" b="0"/>
+        </a:lnRef>
+        <a:fillRef idx="0">
+          <a:scrgbClr r="0" g="0" b="0"/>
+        </a:fillRef>
+        <a:effectRef idx="0">
+          <a:scrgbClr r="0" g="0" b="0"/>
+        </a:effectRef>
+        <a:fontRef idx="minor"/>
+      </dsp:style>
+      <dsp:txBody>
+        <a:bodyPr spcFirstLastPara="0" vert="horz" wrap="square" lIns="199851" tIns="0" rIns="0" bIns="0" numCol="1" spcCol="1270" anchor="t" anchorCtr="0">
+          <a:noAutofit/>
+        </a:bodyPr>
+        <a:lstStyle/>
+        <a:p>
+          <a:pPr lvl="0" algn="l" defTabSz="577850">
+            <a:lnSpc>
+              <a:spcPct val="90000"/>
+            </a:lnSpc>
+            <a:spcBef>
+              <a:spcPct val="0"/>
+            </a:spcBef>
+            <a:spcAft>
+              <a:spcPct val="35000"/>
+            </a:spcAft>
+          </a:pPr>
+          <a:r>
+            <a:rPr lang="es-ES" sz="1300" b="1" kern="1200" noProof="0" dirty="0" smtClean="0"/>
+            <a:t>PQRS</a:t>
+          </a:r>
+          <a:endParaRPr lang="es-ES" sz="1300" b="1" kern="1200" noProof="0" dirty="0"/>
+        </a:p>
+      </dsp:txBody>
+      <dsp:txXfrm>
+        <a:off x="3528388" y="980916"/>
+        <a:ext cx="954841" cy="315233"/>
       </dsp:txXfrm>
     </dsp:sp>
   </dsp:spTree>
@@ -10038,7 +10638,7 @@
     </p:spTree>
     <p:extLst>
       <p:ext uri="{BB962C8B-B14F-4D97-AF65-F5344CB8AC3E}">
-        <p14:creationId xmlns:p14="http://schemas.microsoft.com/office/powerpoint/2010/main" xmlns="" val="1761724460"/>
+        <p14:creationId xmlns="" xmlns:p14="http://schemas.microsoft.com/office/powerpoint/2010/main" val="1761724460"/>
       </p:ext>
     </p:extLst>
   </p:cSld>
@@ -15947,7 +16547,6 @@
               <a:rPr lang="es-ES" sz="1600" b="1" i="1" dirty="0" smtClean="0"/>
               <a:t>Priorización y estimación de esfuerzo</a:t>
             </a:r>
-            <a:endParaRPr lang="es-ES" sz="1600" b="1" i="1" dirty="0" smtClean="0"/>
           </a:p>
           <a:p>
             <a:pPr marL="0" lvl="1"/>
@@ -22469,7 +23068,7 @@
           <p:nvPr/>
         </p:nvGraphicFramePr>
         <p:xfrm>
-          <a:off x="1547664" y="2060848"/>
+          <a:off x="1619672" y="1854116"/>
           <a:ext cx="4896544" cy="2983880"/>
         </p:xfrm>
         <a:graphic>
@@ -22495,7 +23094,7 @@
         </p:blipFill>
         <p:spPr bwMode="auto">
           <a:xfrm>
-            <a:off x="467544" y="5013175"/>
+            <a:off x="539552" y="4806443"/>
             <a:ext cx="1386156" cy="504058"/>
           </a:xfrm>
           <a:prstGeom prst="rect">
@@ -22527,7 +23126,7 @@
         </p:blipFill>
         <p:spPr bwMode="auto">
           <a:xfrm>
-            <a:off x="7812360" y="2178680"/>
+            <a:off x="7884368" y="1971948"/>
             <a:ext cx="865236" cy="432618"/>
           </a:xfrm>
           <a:prstGeom prst="rect">
@@ -22553,7 +23152,7 @@
         </p:blipFill>
         <p:spPr bwMode="auto">
           <a:xfrm>
-            <a:off x="6377098" y="2132856"/>
+            <a:off x="6449106" y="1926124"/>
             <a:ext cx="1507270" cy="548097"/>
           </a:xfrm>
           <a:prstGeom prst="rect">
@@ -22576,7 +23175,7 @@
         </p:nvSpPr>
         <p:spPr>
           <a:xfrm>
-            <a:off x="6732240" y="2538720"/>
+            <a:off x="6804248" y="2331988"/>
             <a:ext cx="1714512" cy="338554"/>
           </a:xfrm>
           <a:prstGeom prst="rect">
@@ -22671,7 +23270,7 @@
         </p:nvSpPr>
         <p:spPr>
           <a:xfrm>
-            <a:off x="827584" y="4797152"/>
+            <a:off x="899592" y="4590420"/>
             <a:ext cx="673582" cy="369332"/>
           </a:xfrm>
           <a:prstGeom prst="rect">
@@ -22709,7 +23308,7 @@
         </p:nvSpPr>
         <p:spPr>
           <a:xfrm>
-            <a:off x="7092280" y="1907540"/>
+            <a:off x="7164288" y="1700808"/>
             <a:ext cx="760336" cy="369332"/>
           </a:xfrm>
           <a:prstGeom prst="rect">
@@ -22734,6 +23333,712 @@
             <a:endParaRPr lang="es-CO" b="1" dirty="0">
               <a:solidFill>
                 <a:srgbClr val="990000"/>
+              </a:solidFill>
+            </a:endParaRPr>
+          </a:p>
+        </p:txBody>
+      </p:sp>
+      <p:graphicFrame>
+        <p:nvGraphicFramePr>
+          <p:cNvPr id="21" name="20 Tabla"/>
+          <p:cNvGraphicFramePr>
+            <a:graphicFrameLocks noGrp="1"/>
+          </p:cNvGraphicFramePr>
+          <p:nvPr/>
+        </p:nvGraphicFramePr>
+        <p:xfrm>
+          <a:off x="5940152" y="4221088"/>
+          <a:ext cx="2088232" cy="1656080"/>
+        </p:xfrm>
+        <a:graphic>
+          <a:graphicData uri="http://schemas.openxmlformats.org/drawingml/2006/table">
+            <a:tbl>
+              <a:tblPr>
+                <a:tableStyleId>{3C2FFA5D-87B4-456A-9821-1D502468CF0F}</a:tableStyleId>
+              </a:tblPr>
+              <a:tblGrid>
+                <a:gridCol w="1357657"/>
+                <a:gridCol w="730575"/>
+              </a:tblGrid>
+              <a:tr h="0">
+                <a:tc>
+                  <a:txBody>
+                    <a:bodyPr/>
+                    <a:lstStyle/>
+                    <a:p>
+                      <a:pPr algn="ctr">
+                        <a:spcAft>
+                          <a:spcPts val="0"/>
+                        </a:spcAft>
+                      </a:pPr>
+                      <a:r>
+                        <a:rPr lang="es-CO" sz="1000" b="1" dirty="0" smtClean="0">
+                          <a:solidFill>
+                            <a:schemeClr val="tx1"/>
+                          </a:solidFill>
+                        </a:rPr>
+                        <a:t>Proyecto</a:t>
+                      </a:r>
+                      <a:endParaRPr lang="es-CO" sz="1000" b="1" dirty="0">
+                        <a:solidFill>
+                          <a:schemeClr val="tx1"/>
+                        </a:solidFill>
+                        <a:latin typeface="Arial"/>
+                        <a:ea typeface="Arial"/>
+                        <a:cs typeface="Times New Roman"/>
+                      </a:endParaRPr>
+                    </a:p>
+                  </a:txBody>
+                  <a:tcPr marL="53975" marR="53975" marT="17780" marB="17780" anchor="ctr">
+                    <a:solidFill>
+                      <a:schemeClr val="accent1">
+                        <a:lumMod val="60000"/>
+                        <a:lumOff val="40000"/>
+                      </a:schemeClr>
+                    </a:solidFill>
+                  </a:tcPr>
+                </a:tc>
+                <a:tc>
+                  <a:txBody>
+                    <a:bodyPr/>
+                    <a:lstStyle/>
+                    <a:p>
+                      <a:pPr algn="ctr">
+                        <a:spcAft>
+                          <a:spcPts val="0"/>
+                        </a:spcAft>
+                      </a:pPr>
+                      <a:r>
+                        <a:rPr lang="es-CO" sz="1000" b="1" dirty="0" smtClean="0">
+                          <a:solidFill>
+                            <a:schemeClr val="tx1"/>
+                          </a:solidFill>
+                        </a:rPr>
+                        <a:t>Tiempo (días)</a:t>
+                      </a:r>
+                      <a:endParaRPr lang="es-CO" sz="1000" b="1" dirty="0">
+                        <a:solidFill>
+                          <a:schemeClr val="tx1"/>
+                        </a:solidFill>
+                        <a:latin typeface="Arial"/>
+                        <a:ea typeface="Arial"/>
+                        <a:cs typeface="Times New Roman"/>
+                      </a:endParaRPr>
+                    </a:p>
+                  </a:txBody>
+                  <a:tcPr marL="53975" marR="53975" marT="17780" marB="17780" anchor="ctr">
+                    <a:solidFill>
+                      <a:schemeClr val="accent1">
+                        <a:lumMod val="60000"/>
+                        <a:lumOff val="40000"/>
+                      </a:schemeClr>
+                    </a:solidFill>
+                  </a:tcPr>
+                </a:tc>
+              </a:tr>
+              <a:tr h="0">
+                <a:tc>
+                  <a:txBody>
+                    <a:bodyPr/>
+                    <a:lstStyle/>
+                    <a:p>
+                      <a:pPr>
+                        <a:spcAft>
+                          <a:spcPts val="0"/>
+                        </a:spcAft>
+                      </a:pPr>
+                      <a:r>
+                        <a:rPr lang="es-CO" sz="1000" dirty="0"/>
+                        <a:t>Órdenes de Compra</a:t>
+                      </a:r>
+                      <a:endParaRPr lang="es-CO" sz="1000" dirty="0">
+                        <a:solidFill>
+                          <a:srgbClr val="000000"/>
+                        </a:solidFill>
+                        <a:latin typeface="Arial"/>
+                        <a:ea typeface="Arial"/>
+                        <a:cs typeface="Times New Roman"/>
+                      </a:endParaRPr>
+                    </a:p>
+                  </a:txBody>
+                  <a:tcPr marL="53975" marR="53975" marT="17780" marB="17780" anchor="ctr">
+                    <a:solidFill>
+                      <a:schemeClr val="bg1"/>
+                    </a:solidFill>
+                  </a:tcPr>
+                </a:tc>
+                <a:tc>
+                  <a:txBody>
+                    <a:bodyPr/>
+                    <a:lstStyle/>
+                    <a:p>
+                      <a:pPr algn="ctr">
+                        <a:spcAft>
+                          <a:spcPts val="0"/>
+                        </a:spcAft>
+                      </a:pPr>
+                      <a:r>
+                        <a:rPr lang="es-CO" sz="1000" dirty="0" smtClean="0"/>
+                        <a:t>70</a:t>
+                      </a:r>
+                      <a:endParaRPr lang="es-CO" sz="1000" dirty="0">
+                        <a:solidFill>
+                          <a:srgbClr val="000000"/>
+                        </a:solidFill>
+                        <a:latin typeface="Arial"/>
+                        <a:ea typeface="Arial"/>
+                        <a:cs typeface="Times New Roman"/>
+                      </a:endParaRPr>
+                    </a:p>
+                  </a:txBody>
+                  <a:tcPr marL="53975" marR="53975" marT="17780" marB="17780">
+                    <a:solidFill>
+                      <a:schemeClr val="bg1">
+                        <a:lumMod val="85000"/>
+                      </a:schemeClr>
+                    </a:solidFill>
+                  </a:tcPr>
+                </a:tc>
+              </a:tr>
+              <a:tr h="0">
+                <a:tc>
+                  <a:txBody>
+                    <a:bodyPr/>
+                    <a:lstStyle/>
+                    <a:p>
+                      <a:pPr>
+                        <a:spcAft>
+                          <a:spcPts val="0"/>
+                        </a:spcAft>
+                      </a:pPr>
+                      <a:r>
+                        <a:rPr lang="es-CO" sz="1000" dirty="0"/>
+                        <a:t>Subasta Inversa</a:t>
+                      </a:r>
+                      <a:endParaRPr lang="es-CO" sz="1000" dirty="0">
+                        <a:solidFill>
+                          <a:srgbClr val="000000"/>
+                        </a:solidFill>
+                        <a:latin typeface="Arial"/>
+                        <a:ea typeface="Arial"/>
+                        <a:cs typeface="Times New Roman"/>
+                      </a:endParaRPr>
+                    </a:p>
+                  </a:txBody>
+                  <a:tcPr marL="53975" marR="53975" marT="17780" marB="17780" anchor="ctr">
+                    <a:solidFill>
+                      <a:schemeClr val="bg1"/>
+                    </a:solidFill>
+                  </a:tcPr>
+                </a:tc>
+                <a:tc>
+                  <a:txBody>
+                    <a:bodyPr/>
+                    <a:lstStyle/>
+                    <a:p>
+                      <a:pPr algn="ctr">
+                        <a:spcAft>
+                          <a:spcPts val="0"/>
+                        </a:spcAft>
+                      </a:pPr>
+                      <a:r>
+                        <a:rPr lang="es-CO" sz="1000" dirty="0" smtClean="0"/>
+                        <a:t>14</a:t>
+                      </a:r>
+                      <a:endParaRPr lang="es-CO" sz="1000" dirty="0">
+                        <a:solidFill>
+                          <a:srgbClr val="000000"/>
+                        </a:solidFill>
+                        <a:latin typeface="Arial"/>
+                        <a:ea typeface="Arial"/>
+                        <a:cs typeface="Times New Roman"/>
+                      </a:endParaRPr>
+                    </a:p>
+                  </a:txBody>
+                  <a:tcPr marL="53975" marR="53975" marT="17780" marB="17780">
+                    <a:solidFill>
+                      <a:schemeClr val="bg1">
+                        <a:lumMod val="85000"/>
+                      </a:schemeClr>
+                    </a:solidFill>
+                  </a:tcPr>
+                </a:tc>
+              </a:tr>
+              <a:tr h="0">
+                <a:tc>
+                  <a:txBody>
+                    <a:bodyPr/>
+                    <a:lstStyle/>
+                    <a:p>
+                      <a:pPr>
+                        <a:spcAft>
+                          <a:spcPts val="0"/>
+                        </a:spcAft>
+                      </a:pPr>
+                      <a:r>
+                        <a:rPr lang="es-CO" sz="1000" dirty="0"/>
+                        <a:t>Registro de Entidades</a:t>
+                      </a:r>
+                      <a:endParaRPr lang="es-CO" sz="1000" dirty="0">
+                        <a:solidFill>
+                          <a:srgbClr val="000000"/>
+                        </a:solidFill>
+                        <a:latin typeface="Arial"/>
+                        <a:ea typeface="Arial"/>
+                        <a:cs typeface="Times New Roman"/>
+                      </a:endParaRPr>
+                    </a:p>
+                  </a:txBody>
+                  <a:tcPr marL="53975" marR="53975" marT="17780" marB="17780" anchor="ctr">
+                    <a:solidFill>
+                      <a:schemeClr val="bg1"/>
+                    </a:solidFill>
+                  </a:tcPr>
+                </a:tc>
+                <a:tc>
+                  <a:txBody>
+                    <a:bodyPr/>
+                    <a:lstStyle/>
+                    <a:p>
+                      <a:pPr algn="ctr">
+                        <a:spcAft>
+                          <a:spcPts val="0"/>
+                        </a:spcAft>
+                      </a:pPr>
+                      <a:r>
+                        <a:rPr lang="en-US" sz="1000" dirty="0" smtClean="0"/>
+                        <a:t>18</a:t>
+                      </a:r>
+                      <a:endParaRPr lang="es-CO" sz="1000" dirty="0">
+                        <a:solidFill>
+                          <a:srgbClr val="000000"/>
+                        </a:solidFill>
+                        <a:latin typeface="Arial"/>
+                        <a:ea typeface="Arial"/>
+                        <a:cs typeface="Times New Roman"/>
+                      </a:endParaRPr>
+                    </a:p>
+                  </a:txBody>
+                  <a:tcPr marL="53975" marR="53975" marT="17780" marB="17780">
+                    <a:solidFill>
+                      <a:schemeClr val="bg1">
+                        <a:lumMod val="85000"/>
+                      </a:schemeClr>
+                    </a:solidFill>
+                  </a:tcPr>
+                </a:tc>
+              </a:tr>
+              <a:tr h="0">
+                <a:tc>
+                  <a:txBody>
+                    <a:bodyPr/>
+                    <a:lstStyle/>
+                    <a:p>
+                      <a:pPr>
+                        <a:spcAft>
+                          <a:spcPts val="0"/>
+                        </a:spcAft>
+                      </a:pPr>
+                      <a:r>
+                        <a:rPr lang="es-CO" sz="1000" dirty="0"/>
+                        <a:t>Facturación</a:t>
+                      </a:r>
+                      <a:endParaRPr lang="es-CO" sz="1000" dirty="0">
+                        <a:solidFill>
+                          <a:srgbClr val="000000"/>
+                        </a:solidFill>
+                        <a:latin typeface="Arial"/>
+                        <a:ea typeface="Arial"/>
+                        <a:cs typeface="Times New Roman"/>
+                      </a:endParaRPr>
+                    </a:p>
+                  </a:txBody>
+                  <a:tcPr marL="53975" marR="53975" marT="17780" marB="17780" anchor="ctr">
+                    <a:solidFill>
+                      <a:schemeClr val="bg1"/>
+                    </a:solidFill>
+                  </a:tcPr>
+                </a:tc>
+                <a:tc>
+                  <a:txBody>
+                    <a:bodyPr/>
+                    <a:lstStyle/>
+                    <a:p>
+                      <a:pPr algn="ctr">
+                        <a:spcAft>
+                          <a:spcPts val="0"/>
+                        </a:spcAft>
+                      </a:pPr>
+                      <a:r>
+                        <a:rPr lang="es-CO" sz="1000" dirty="0" smtClean="0"/>
+                        <a:t>39</a:t>
+                      </a:r>
+                      <a:endParaRPr lang="es-CO" sz="1000" dirty="0">
+                        <a:solidFill>
+                          <a:srgbClr val="000000"/>
+                        </a:solidFill>
+                        <a:latin typeface="Arial"/>
+                        <a:ea typeface="Arial"/>
+                        <a:cs typeface="Times New Roman"/>
+                      </a:endParaRPr>
+                    </a:p>
+                  </a:txBody>
+                  <a:tcPr marL="53975" marR="53975" marT="17780" marB="17780">
+                    <a:solidFill>
+                      <a:schemeClr val="bg1">
+                        <a:lumMod val="85000"/>
+                      </a:schemeClr>
+                    </a:solidFill>
+                  </a:tcPr>
+                </a:tc>
+              </a:tr>
+              <a:tr h="0">
+                <a:tc>
+                  <a:txBody>
+                    <a:bodyPr/>
+                    <a:lstStyle/>
+                    <a:p>
+                      <a:pPr>
+                        <a:spcAft>
+                          <a:spcPts val="0"/>
+                        </a:spcAft>
+                      </a:pPr>
+                      <a:r>
+                        <a:rPr lang="es-CO" sz="1000" dirty="0"/>
+                        <a:t>PQRS</a:t>
+                      </a:r>
+                      <a:endParaRPr lang="es-CO" sz="1000" dirty="0">
+                        <a:solidFill>
+                          <a:srgbClr val="000000"/>
+                        </a:solidFill>
+                        <a:latin typeface="Arial"/>
+                        <a:ea typeface="Arial"/>
+                        <a:cs typeface="Times New Roman"/>
+                      </a:endParaRPr>
+                    </a:p>
+                  </a:txBody>
+                  <a:tcPr marL="53975" marR="53975" marT="17780" marB="17780" anchor="ctr">
+                    <a:solidFill>
+                      <a:schemeClr val="bg1"/>
+                    </a:solidFill>
+                  </a:tcPr>
+                </a:tc>
+                <a:tc>
+                  <a:txBody>
+                    <a:bodyPr/>
+                    <a:lstStyle/>
+                    <a:p>
+                      <a:pPr algn="ctr">
+                        <a:spcAft>
+                          <a:spcPts val="0"/>
+                        </a:spcAft>
+                      </a:pPr>
+                      <a:r>
+                        <a:rPr lang="es-CO" sz="1000" dirty="0" smtClean="0"/>
+                        <a:t>72</a:t>
+                      </a:r>
+                      <a:endParaRPr lang="es-CO" sz="1000" dirty="0">
+                        <a:solidFill>
+                          <a:srgbClr val="000000"/>
+                        </a:solidFill>
+                        <a:latin typeface="Arial"/>
+                        <a:ea typeface="Arial"/>
+                        <a:cs typeface="Times New Roman"/>
+                      </a:endParaRPr>
+                    </a:p>
+                  </a:txBody>
+                  <a:tcPr marL="53975" marR="53975" marT="17780" marB="17780">
+                    <a:solidFill>
+                      <a:schemeClr val="bg1">
+                        <a:lumMod val="85000"/>
+                      </a:schemeClr>
+                    </a:solidFill>
+                  </a:tcPr>
+                </a:tc>
+              </a:tr>
+              <a:tr h="0">
+                <a:tc>
+                  <a:txBody>
+                    <a:bodyPr/>
+                    <a:lstStyle/>
+                    <a:p>
+                      <a:pPr>
+                        <a:spcAft>
+                          <a:spcPts val="0"/>
+                        </a:spcAft>
+                      </a:pPr>
+                      <a:r>
+                        <a:rPr lang="es-CO" sz="1000" dirty="0"/>
+                        <a:t>Calificaciones</a:t>
+                      </a:r>
+                      <a:endParaRPr lang="es-CO" sz="1000" dirty="0">
+                        <a:solidFill>
+                          <a:srgbClr val="000000"/>
+                        </a:solidFill>
+                        <a:latin typeface="Arial"/>
+                        <a:ea typeface="Arial"/>
+                        <a:cs typeface="Times New Roman"/>
+                      </a:endParaRPr>
+                    </a:p>
+                  </a:txBody>
+                  <a:tcPr marL="53975" marR="53975" marT="17780" marB="17780" anchor="ctr">
+                    <a:solidFill>
+                      <a:schemeClr val="bg1"/>
+                    </a:solidFill>
+                  </a:tcPr>
+                </a:tc>
+                <a:tc>
+                  <a:txBody>
+                    <a:bodyPr/>
+                    <a:lstStyle/>
+                    <a:p>
+                      <a:pPr algn="ctr">
+                        <a:spcAft>
+                          <a:spcPts val="0"/>
+                        </a:spcAft>
+                      </a:pPr>
+                      <a:r>
+                        <a:rPr lang="es-CO" sz="1000" dirty="0" smtClean="0"/>
+                        <a:t>14</a:t>
+                      </a:r>
+                      <a:endParaRPr lang="es-CO" sz="1000" dirty="0">
+                        <a:solidFill>
+                          <a:srgbClr val="000000"/>
+                        </a:solidFill>
+                        <a:latin typeface="Arial"/>
+                        <a:ea typeface="Arial"/>
+                        <a:cs typeface="Times New Roman"/>
+                      </a:endParaRPr>
+                    </a:p>
+                  </a:txBody>
+                  <a:tcPr marL="53975" marR="53975" marT="17780" marB="17780">
+                    <a:solidFill>
+                      <a:schemeClr val="bg1">
+                        <a:lumMod val="85000"/>
+                      </a:schemeClr>
+                    </a:solidFill>
+                  </a:tcPr>
+                </a:tc>
+              </a:tr>
+              <a:tr h="0">
+                <a:tc>
+                  <a:txBody>
+                    <a:bodyPr/>
+                    <a:lstStyle/>
+                    <a:p>
+                      <a:pPr algn="r">
+                        <a:spcAft>
+                          <a:spcPts val="0"/>
+                        </a:spcAft>
+                      </a:pPr>
+                      <a:r>
+                        <a:rPr lang="es-CO" sz="1000" b="1" dirty="0"/>
+                        <a:t>Total</a:t>
+                      </a:r>
+                      <a:endParaRPr lang="es-CO" sz="1000" b="1" dirty="0">
+                        <a:solidFill>
+                          <a:srgbClr val="000000"/>
+                        </a:solidFill>
+                        <a:latin typeface="Arial"/>
+                        <a:ea typeface="Arial"/>
+                        <a:cs typeface="Times New Roman"/>
+                      </a:endParaRPr>
+                    </a:p>
+                  </a:txBody>
+                  <a:tcPr marL="53975" marR="53975" marT="17780" marB="17780" anchor="ctr">
+                    <a:solidFill>
+                      <a:schemeClr val="bg1"/>
+                    </a:solidFill>
+                  </a:tcPr>
+                </a:tc>
+                <a:tc>
+                  <a:txBody>
+                    <a:bodyPr/>
+                    <a:lstStyle/>
+                    <a:p>
+                      <a:pPr algn="ctr">
+                        <a:spcAft>
+                          <a:spcPts val="0"/>
+                        </a:spcAft>
+                      </a:pPr>
+                      <a:r>
+                        <a:rPr lang="es-CO" sz="1000" b="1" dirty="0" smtClean="0"/>
+                        <a:t>227</a:t>
+                      </a:r>
+                      <a:endParaRPr lang="es-CO" sz="1000" b="1" dirty="0">
+                        <a:solidFill>
+                          <a:srgbClr val="000000"/>
+                        </a:solidFill>
+                        <a:latin typeface="Arial"/>
+                        <a:ea typeface="Arial"/>
+                        <a:cs typeface="Times New Roman"/>
+                      </a:endParaRPr>
+                    </a:p>
+                  </a:txBody>
+                  <a:tcPr marL="53975" marR="53975" marT="17780" marB="17780">
+                    <a:solidFill>
+                      <a:schemeClr val="bg1">
+                        <a:lumMod val="85000"/>
+                      </a:schemeClr>
+                    </a:solidFill>
+                  </a:tcPr>
+                </a:tc>
+              </a:tr>
+            </a:tbl>
+          </a:graphicData>
+        </a:graphic>
+      </p:graphicFrame>
+      <p:sp>
+        <p:nvSpPr>
+          <p:cNvPr id="22" name="21 Elipse"/>
+          <p:cNvSpPr/>
+          <p:nvPr/>
+        </p:nvSpPr>
+        <p:spPr>
+          <a:xfrm>
+            <a:off x="5724128" y="2341050"/>
+            <a:ext cx="449170" cy="449170"/>
+          </a:xfrm>
+          <a:prstGeom prst="ellipse">
+            <a:avLst/>
+          </a:prstGeom>
+        </p:spPr>
+        <p:style>
+          <a:lnRef idx="1">
+            <a:schemeClr val="accent2"/>
+          </a:lnRef>
+          <a:fillRef idx="3">
+            <a:schemeClr val="accent2"/>
+          </a:fillRef>
+          <a:effectRef idx="2">
+            <a:schemeClr val="accent2"/>
+          </a:effectRef>
+          <a:fontRef idx="minor">
+            <a:schemeClr val="lt1"/>
+          </a:fontRef>
+        </p:style>
+      </p:sp>
+      <p:sp>
+        <p:nvSpPr>
+          <p:cNvPr id="25" name="24 Rectángulo"/>
+          <p:cNvSpPr/>
+          <p:nvPr/>
+        </p:nvSpPr>
+        <p:spPr>
+          <a:xfrm>
+            <a:off x="5868144" y="2826333"/>
+            <a:ext cx="1224136" cy="323927"/>
+          </a:xfrm>
+          <a:prstGeom prst="rect">
+            <a:avLst/>
+          </a:prstGeom>
+        </p:spPr>
+        <p:style>
+          <a:lnRef idx="0">
+            <a:scrgbClr r="0" g="0" b="0"/>
+          </a:lnRef>
+          <a:fillRef idx="0">
+            <a:scrgbClr r="0" g="0" b="0"/>
+          </a:fillRef>
+          <a:effectRef idx="0">
+            <a:scrgbClr r="0" g="0" b="0"/>
+          </a:effectRef>
+          <a:fontRef idx="minor">
+            <a:schemeClr val="tx1">
+              <a:hueOff val="0"/>
+              <a:satOff val="0"/>
+              <a:lumOff val="0"/>
+              <a:alphaOff val="0"/>
+            </a:schemeClr>
+          </a:fontRef>
+        </p:style>
+        <p:txBody>
+          <a:bodyPr spcFirstLastPara="0" vert="horz" wrap="square" lIns="199851" tIns="0" rIns="0" bIns="0" numCol="1" spcCol="1270" anchor="t" anchorCtr="0">
+            <a:noAutofit/>
+          </a:bodyPr>
+          <a:lstStyle/>
+          <a:p>
+            <a:pPr lvl="0" algn="l" defTabSz="533400">
+              <a:lnSpc>
+                <a:spcPct val="90000"/>
+              </a:lnSpc>
+              <a:spcBef>
+                <a:spcPct val="0"/>
+              </a:spcBef>
+              <a:spcAft>
+                <a:spcPct val="35000"/>
+              </a:spcAft>
+            </a:pPr>
+            <a:r>
+              <a:rPr lang="es-ES" sz="1400" b="1" kern="1200" noProof="0" dirty="0" smtClean="0"/>
+              <a:t>Calificaciones</a:t>
+            </a:r>
+            <a:endParaRPr lang="es-ES" sz="1200" b="1" kern="1200" noProof="0" dirty="0"/>
+          </a:p>
+        </p:txBody>
+      </p:sp>
+      <p:sp>
+        <p:nvSpPr>
+          <p:cNvPr id="27" name="26 Rectángulo"/>
+          <p:cNvSpPr/>
+          <p:nvPr/>
+        </p:nvSpPr>
+        <p:spPr>
+          <a:xfrm>
+            <a:off x="6084168" y="5949280"/>
+            <a:ext cx="1944216" cy="216024"/>
+          </a:xfrm>
+          <a:prstGeom prst="rect">
+            <a:avLst/>
+          </a:prstGeom>
+        </p:spPr>
+        <p:style>
+          <a:lnRef idx="0">
+            <a:scrgbClr r="0" g="0" b="0"/>
+          </a:lnRef>
+          <a:fillRef idx="0">
+            <a:scrgbClr r="0" g="0" b="0"/>
+          </a:fillRef>
+          <a:effectRef idx="0">
+            <a:scrgbClr r="0" g="0" b="0"/>
+          </a:effectRef>
+          <a:fontRef idx="minor">
+            <a:schemeClr val="tx1">
+              <a:hueOff val="0"/>
+              <a:satOff val="0"/>
+              <a:lumOff val="0"/>
+              <a:alphaOff val="0"/>
+            </a:schemeClr>
+          </a:fontRef>
+        </p:style>
+        <p:txBody>
+          <a:bodyPr spcFirstLastPara="0" vert="horz" wrap="square" lIns="199851" tIns="0" rIns="0" bIns="0" numCol="1" spcCol="1270" anchor="t" anchorCtr="0">
+            <a:noAutofit/>
+          </a:bodyPr>
+          <a:lstStyle/>
+          <a:p>
+            <a:pPr lvl="0" algn="l" defTabSz="533400">
+              <a:lnSpc>
+                <a:spcPct val="90000"/>
+              </a:lnSpc>
+              <a:spcBef>
+                <a:spcPct val="0"/>
+              </a:spcBef>
+              <a:spcAft>
+                <a:spcPct val="35000"/>
+              </a:spcAft>
+            </a:pPr>
+            <a:r>
+              <a:rPr lang="es-ES" sz="1400" b="1" kern="1200" noProof="0" dirty="0" smtClean="0">
+                <a:solidFill>
+                  <a:schemeClr val="tx1"/>
+                </a:solidFill>
+              </a:rPr>
+              <a:t>Tiempo de desarrollo</a:t>
+            </a:r>
+            <a:endParaRPr lang="es-ES" sz="1200" b="1" kern="1200" noProof="0" dirty="0">
+              <a:solidFill>
+                <a:schemeClr val="tx1"/>
               </a:solidFill>
             </a:endParaRPr>
           </a:p>
@@ -23042,7 +24347,6 @@
               <a:rPr lang="es-ES" sz="1600" b="1" i="1" smtClean="0"/>
               <a:t>Roadmap</a:t>
             </a:r>
-            <a:endParaRPr lang="es-ES" sz="1600" b="1" i="1" smtClean="0"/>
           </a:p>
           <a:p>
             <a:pPr marL="0" lvl="1"/>
@@ -23380,7 +24684,7 @@
           <p:nvPr/>
         </p:nvGraphicFramePr>
         <p:xfrm>
-          <a:off x="1187624" y="1669256"/>
+          <a:off x="899592" y="1669256"/>
           <a:ext cx="7344816" cy="4064000"/>
         </p:xfrm>
         <a:graphic>
@@ -23749,7 +25053,7 @@
     </p:spTree>
     <p:extLst>
       <p:ext uri="{BB962C8B-B14F-4D97-AF65-F5344CB8AC3E}">
-        <p14:creationId xmlns:p14="http://schemas.microsoft.com/office/powerpoint/2010/main" xmlns="" val="2890147570"/>
+        <p14:creationId xmlns="" xmlns:p14="http://schemas.microsoft.com/office/powerpoint/2010/main" val="2890147570"/>
       </p:ext>
     </p:extLst>
   </p:cSld>
@@ -24295,23 +25599,7 @@
                   <a:schemeClr val="tx1"/>
                 </a:solidFill>
               </a:rPr>
-              <a:t>Priorización </a:t>
-            </a:r>
-            <a:r>
-              <a:rPr lang="es-ES" sz="1600" b="1" i="1" dirty="0" smtClean="0">
-                <a:solidFill>
-                  <a:schemeClr val="tx1"/>
-                </a:solidFill>
-              </a:rPr>
-              <a:t> y estimación </a:t>
-            </a:r>
-            <a:r>
-              <a:rPr lang="es-ES" sz="1600" b="1" i="1" dirty="0" smtClean="0">
-                <a:solidFill>
-                  <a:schemeClr val="tx1"/>
-                </a:solidFill>
-              </a:rPr>
-              <a:t>de esfuerzo</a:t>
+              <a:t>Priorización  y estimación de esfuerzo</a:t>
             </a:r>
           </a:p>
           <a:p>
@@ -25402,18 +26690,7 @@
                 </a:solidFill>
                 <a:latin typeface="+mj-lt"/>
               </a:rPr>
-              <a:t>Mapa </a:t>
-            </a:r>
-            <a:r>
-              <a:rPr lang="es-ES" sz="1400" b="1" i="1" dirty="0" smtClean="0">
-                <a:solidFill>
-                  <a:schemeClr val="bg1">
-                    <a:lumMod val="50000"/>
-                  </a:schemeClr>
-                </a:solidFill>
-                <a:latin typeface="+mj-lt"/>
-              </a:rPr>
-              <a:t>de procesos</a:t>
+              <a:t>Mapa de procesos</a:t>
             </a:r>
             <a:endParaRPr lang="es-CO" sz="1400" b="1" i="1" dirty="0">
               <a:solidFill>
@@ -30222,7 +31499,7 @@
           <a:blip r:embed="rId6" cstate="print">
             <a:extLst>
               <a:ext uri="{28A0092B-C50C-407E-A947-70E740481C1C}">
-                <a14:useLocalDpi xmlns:lc="http://schemas.openxmlformats.org/drawingml/2006/lockedCanvas" xmlns:pic="http://schemas.openxmlformats.org/drawingml/2006/picture" xmlns="" xmlns:wpc="http://schemas.microsoft.com/office/word/2010/wordprocessingCanvas" xmlns:mc="http://schemas.openxmlformats.org/markup-compatibility/2006" xmlns:o="urn:schemas-microsoft-com:office:office" xmlns:v="urn:schemas-microsoft-com:vml" xmlns:wp14="http://schemas.microsoft.com/office/word/2010/wordprocessingDrawing" xmlns:w10="urn:schemas-microsoft-com:office:word" xmlns:w="http://schemas.openxmlformats.org/wordprocessingml/2006/main" xmlns:w14="http://schemas.microsoft.com/office/word/2010/wordml" xmlns:wpg="http://schemas.microsoft.com/office/word/2010/wordprocessingGroup" xmlns:wpi="http://schemas.microsoft.com/office/word/2010/wordprocessingInk" xmlns:wps="http://schemas.microsoft.com/office/word/2010/wordprocessingShape" xmlns:a14="http://schemas.microsoft.com/office/drawing/2010/main" xmlns:wne="http://schemas.microsoft.com/office/word/2006/wordml" xmlns:wp="http://schemas.openxmlformats.org/drawingml/2006/wordprocessingDrawing" xmlns:m="http://schemas.openxmlformats.org/officeDocument/2006/math" xmlns:ve="http://schemas.openxmlformats.org/markup-compatibility/2006" val="0"/>
+                <a14:useLocalDpi xmlns:ve="http://schemas.openxmlformats.org/markup-compatibility/2006" xmlns:m="http://schemas.openxmlformats.org/officeDocument/2006/math" xmlns:wp="http://schemas.openxmlformats.org/drawingml/2006/wordprocessingDrawing" xmlns:wne="http://schemas.microsoft.com/office/word/2006/wordml" xmlns:a14="http://schemas.microsoft.com/office/drawing/2010/main" xmlns:wps="http://schemas.microsoft.com/office/word/2010/wordprocessingShape" xmlns:wpi="http://schemas.microsoft.com/office/word/2010/wordprocessingInk" xmlns:wpg="http://schemas.microsoft.com/office/word/2010/wordprocessingGroup" xmlns:w14="http://schemas.microsoft.com/office/word/2010/wordml" xmlns:w="http://schemas.openxmlformats.org/wordprocessingml/2006/main" xmlns:w10="urn:schemas-microsoft-com:office:word" xmlns:wp14="http://schemas.microsoft.com/office/word/2010/wordprocessingDrawing" xmlns:v="urn:schemas-microsoft-com:vml" xmlns:o="urn:schemas-microsoft-com:office:office" xmlns:mc="http://schemas.openxmlformats.org/markup-compatibility/2006" xmlns:wpc="http://schemas.microsoft.com/office/word/2010/wordprocessingCanvas" xmlns="" xmlns:pic="http://schemas.openxmlformats.org/drawingml/2006/picture" xmlns:lc="http://schemas.openxmlformats.org/drawingml/2006/lockedCanvas" val="0"/>
               </a:ext>
             </a:extLst>
           </a:blip>
